--- a/WDIO.pptx
+++ b/WDIO.pptx
@@ -209,7 +209,7 @@
           <a:p>
             <a:fld id="{60FAB3C2-BFE3-9940-B603-2819D79DEBA2}" type="datetimeFigureOut">
               <a:rPr lang="en-US" smtClean="0"/>
-              <a:t>7/15/23</a:t>
+              <a:t>7/16/23</a:t>
             </a:fld>
             <a:endParaRPr lang="en-US"/>
           </a:p>
@@ -1084,7 +1084,7 @@
           <a:p>
             <a:fld id="{7F871FFF-B9B9-7542-AF94-6B6F146E5706}" type="datetimeFigureOut">
               <a:rPr lang="en-GB" smtClean="0"/>
-              <a:t>15/07/2023</a:t>
+              <a:t>16/07/2023</a:t>
             </a:fld>
             <a:endParaRPr lang="en-GB"/>
           </a:p>
@@ -1282,7 +1282,7 @@
           <a:p>
             <a:fld id="{7F871FFF-B9B9-7542-AF94-6B6F146E5706}" type="datetimeFigureOut">
               <a:rPr lang="en-GB" smtClean="0"/>
-              <a:t>15/07/2023</a:t>
+              <a:t>16/07/2023</a:t>
             </a:fld>
             <a:endParaRPr lang="en-GB"/>
           </a:p>
@@ -1490,7 +1490,7 @@
           <a:p>
             <a:fld id="{7F871FFF-B9B9-7542-AF94-6B6F146E5706}" type="datetimeFigureOut">
               <a:rPr lang="en-GB" smtClean="0"/>
-              <a:t>15/07/2023</a:t>
+              <a:t>16/07/2023</a:t>
             </a:fld>
             <a:endParaRPr lang="en-GB"/>
           </a:p>
@@ -2886,7 +2886,7 @@
           <a:p>
             <a:fld id="{7F871FFF-B9B9-7542-AF94-6B6F146E5706}" type="datetimeFigureOut">
               <a:rPr lang="en-GB" smtClean="0"/>
-              <a:t>15/07/2023</a:t>
+              <a:t>16/07/2023</a:t>
             </a:fld>
             <a:endParaRPr lang="en-GB"/>
           </a:p>
@@ -3161,7 +3161,7 @@
           <a:p>
             <a:fld id="{7F871FFF-B9B9-7542-AF94-6B6F146E5706}" type="datetimeFigureOut">
               <a:rPr lang="en-GB" smtClean="0"/>
-              <a:t>15/07/2023</a:t>
+              <a:t>16/07/2023</a:t>
             </a:fld>
             <a:endParaRPr lang="en-GB"/>
           </a:p>
@@ -3426,7 +3426,7 @@
           <a:p>
             <a:fld id="{7F871FFF-B9B9-7542-AF94-6B6F146E5706}" type="datetimeFigureOut">
               <a:rPr lang="en-GB" smtClean="0"/>
-              <a:t>15/07/2023</a:t>
+              <a:t>16/07/2023</a:t>
             </a:fld>
             <a:endParaRPr lang="en-GB"/>
           </a:p>
@@ -3838,7 +3838,7 @@
           <a:p>
             <a:fld id="{7F871FFF-B9B9-7542-AF94-6B6F146E5706}" type="datetimeFigureOut">
               <a:rPr lang="en-GB" smtClean="0"/>
-              <a:t>15/07/2023</a:t>
+              <a:t>16/07/2023</a:t>
             </a:fld>
             <a:endParaRPr lang="en-GB"/>
           </a:p>
@@ -3979,7 +3979,7 @@
           <a:p>
             <a:fld id="{7F871FFF-B9B9-7542-AF94-6B6F146E5706}" type="datetimeFigureOut">
               <a:rPr lang="en-GB" smtClean="0"/>
-              <a:t>15/07/2023</a:t>
+              <a:t>16/07/2023</a:t>
             </a:fld>
             <a:endParaRPr lang="en-GB"/>
           </a:p>
@@ -4092,7 +4092,7 @@
           <a:p>
             <a:fld id="{7F871FFF-B9B9-7542-AF94-6B6F146E5706}" type="datetimeFigureOut">
               <a:rPr lang="en-GB" smtClean="0"/>
-              <a:t>15/07/2023</a:t>
+              <a:t>16/07/2023</a:t>
             </a:fld>
             <a:endParaRPr lang="en-GB"/>
           </a:p>
@@ -4403,7 +4403,7 @@
           <a:p>
             <a:fld id="{7F871FFF-B9B9-7542-AF94-6B6F146E5706}" type="datetimeFigureOut">
               <a:rPr lang="en-GB" smtClean="0"/>
-              <a:t>15/07/2023</a:t>
+              <a:t>16/07/2023</a:t>
             </a:fld>
             <a:endParaRPr lang="en-GB"/>
           </a:p>
@@ -4691,7 +4691,7 @@
           <a:p>
             <a:fld id="{7F871FFF-B9B9-7542-AF94-6B6F146E5706}" type="datetimeFigureOut">
               <a:rPr lang="en-GB" smtClean="0"/>
-              <a:t>15/07/2023</a:t>
+              <a:t>16/07/2023</a:t>
             </a:fld>
             <a:endParaRPr lang="en-GB"/>
           </a:p>
@@ -4932,7 +4932,7 @@
           <a:p>
             <a:fld id="{7F871FFF-B9B9-7542-AF94-6B6F146E5706}" type="datetimeFigureOut">
               <a:rPr lang="en-GB" smtClean="0"/>
-              <a:t>15/07/2023</a:t>
+              <a:t>16/07/2023</a:t>
             </a:fld>
             <a:endParaRPr lang="en-GB"/>
           </a:p>
@@ -6740,6 +6740,33 @@
               <a:t> file</a:t>
             </a:r>
           </a:p>
+          <a:p>
+            <a:r>
+              <a:rPr lang="en-GB" dirty="0"/>
+              <a:t>To run all your tests type: </a:t>
+            </a:r>
+            <a:r>
+              <a:rPr lang="en-GB" dirty="0" err="1"/>
+              <a:t>npx</a:t>
+            </a:r>
+            <a:r>
+              <a:rPr lang="en-GB" dirty="0"/>
+              <a:t> </a:t>
+            </a:r>
+            <a:r>
+              <a:rPr lang="en-GB" dirty="0" err="1"/>
+              <a:t>wdio</a:t>
+            </a:r>
+            <a:r>
+              <a:rPr lang="en-GB" dirty="0"/>
+              <a:t> </a:t>
+            </a:r>
+            <a:r>
+              <a:rPr lang="en-GB" dirty="0" err="1"/>
+              <a:t>wdio.conf.ts</a:t>
+            </a:r>
+            <a:endParaRPr lang="en-GB" dirty="0"/>
+          </a:p>
         </p:txBody>
       </p:sp>
     </p:spTree>
@@ -7099,7 +7126,7 @@
           <a:p>
             <a:r>
               <a:rPr lang="en-GB" dirty="0"/>
-              <a:t>What is WDIO</a:t>
+              <a:t>What is WDIO?</a:t>
             </a:r>
           </a:p>
         </p:txBody>

--- a/WDIO.pptx
+++ b/WDIO.pptx
@@ -5,7 +5,7 @@
     <p:sldMasterId id="2147483648" r:id="rId1"/>
   </p:sldMasterIdLst>
   <p:notesMasterIdLst>
-    <p:notesMasterId r:id="rId15"/>
+    <p:notesMasterId r:id="rId16"/>
   </p:notesMasterIdLst>
   <p:sldIdLst>
     <p:sldId id="256" r:id="rId2"/>
@@ -21,6 +21,7 @@
     <p:sldId id="262" r:id="rId12"/>
     <p:sldId id="263" r:id="rId13"/>
     <p:sldId id="264" r:id="rId14"/>
+    <p:sldId id="2147479999" r:id="rId15"/>
   </p:sldIdLst>
   <p:sldSz cx="12192000" cy="6858000"/>
   <p:notesSz cx="6858000" cy="9144000"/>
@@ -209,7 +210,7 @@
           <a:p>
             <a:fld id="{60FAB3C2-BFE3-9940-B603-2819D79DEBA2}" type="datetimeFigureOut">
               <a:rPr lang="en-US" smtClean="0"/>
-              <a:t>7/16/23</a:t>
+              <a:t>7/17/23</a:t>
             </a:fld>
             <a:endParaRPr lang="en-US"/>
           </a:p>
@@ -897,6 +898,90 @@
           <a:bodyPr/>
           <a:lstStyle/>
           <a:p>
+            <a:endParaRPr lang="en-US" dirty="0"/>
+          </a:p>
+        </p:txBody>
+      </p:sp>
+      <p:sp>
+        <p:nvSpPr>
+          <p:cNvPr id="4" name="Slide Number Placeholder 3"/>
+          <p:cNvSpPr>
+            <a:spLocks noGrp="1"/>
+          </p:cNvSpPr>
+          <p:nvPr>
+            <p:ph type="sldNum" sz="quarter" idx="5"/>
+          </p:nvPr>
+        </p:nvSpPr>
+        <p:spPr/>
+        <p:txBody>
+          <a:bodyPr/>
+          <a:lstStyle/>
+          <a:p>
+            <a:fld id="{8425A2E4-D314-BC4B-8341-9119569B3DB8}" type="slidenum">
+              <a:rPr lang="en-US" smtClean="0"/>
+              <a:t>11</a:t>
+            </a:fld>
+            <a:endParaRPr lang="en-US"/>
+          </a:p>
+        </p:txBody>
+      </p:sp>
+    </p:spTree>
+    <p:extLst>
+      <p:ext uri="{BB962C8B-B14F-4D97-AF65-F5344CB8AC3E}">
+        <p14:creationId xmlns:p14="http://schemas.microsoft.com/office/powerpoint/2010/main" val="2830616285"/>
+      </p:ext>
+    </p:extLst>
+  </p:cSld>
+  <p:clrMapOvr>
+    <a:masterClrMapping/>
+  </p:clrMapOvr>
+</p:notes>
+</file>
+
+<file path=ppt/notesSlides/notesSlide5.xml><?xml version="1.0" encoding="utf-8"?>
+<p:notes xmlns:a="http://schemas.openxmlformats.org/drawingml/2006/main" xmlns:r="http://schemas.openxmlformats.org/officeDocument/2006/relationships" xmlns:p="http://schemas.openxmlformats.org/presentationml/2006/main">
+  <p:cSld>
+    <p:spTree>
+      <p:nvGrpSpPr>
+        <p:cNvPr id="1" name=""/>
+        <p:cNvGrpSpPr/>
+        <p:nvPr/>
+      </p:nvGrpSpPr>
+      <p:grpSpPr>
+        <a:xfrm>
+          <a:off x="0" y="0"/>
+          <a:ext cx="0" cy="0"/>
+          <a:chOff x="0" y="0"/>
+          <a:chExt cx="0" cy="0"/>
+        </a:xfrm>
+      </p:grpSpPr>
+      <p:sp>
+        <p:nvSpPr>
+          <p:cNvPr id="2" name="Slide Image Placeholder 1"/>
+          <p:cNvSpPr>
+            <a:spLocks noGrp="1" noRot="1" noChangeAspect="1"/>
+          </p:cNvSpPr>
+          <p:nvPr>
+            <p:ph type="sldImg"/>
+          </p:nvPr>
+        </p:nvSpPr>
+        <p:spPr/>
+      </p:sp>
+      <p:sp>
+        <p:nvSpPr>
+          <p:cNvPr id="3" name="Notes Placeholder 2"/>
+          <p:cNvSpPr>
+            <a:spLocks noGrp="1"/>
+          </p:cNvSpPr>
+          <p:nvPr>
+            <p:ph type="body" idx="1"/>
+          </p:nvPr>
+        </p:nvSpPr>
+        <p:spPr/>
+        <p:txBody>
+          <a:bodyPr/>
+          <a:lstStyle/>
+          <a:p>
             <a:endParaRPr lang="en-GB" dirty="0"/>
           </a:p>
         </p:txBody>
@@ -1084,7 +1169,7 @@
           <a:p>
             <a:fld id="{7F871FFF-B9B9-7542-AF94-6B6F146E5706}" type="datetimeFigureOut">
               <a:rPr lang="en-GB" smtClean="0"/>
-              <a:t>16/07/2023</a:t>
+              <a:t>17/07/2023</a:t>
             </a:fld>
             <a:endParaRPr lang="en-GB"/>
           </a:p>
@@ -1282,7 +1367,7 @@
           <a:p>
             <a:fld id="{7F871FFF-B9B9-7542-AF94-6B6F146E5706}" type="datetimeFigureOut">
               <a:rPr lang="en-GB" smtClean="0"/>
-              <a:t>16/07/2023</a:t>
+              <a:t>17/07/2023</a:t>
             </a:fld>
             <a:endParaRPr lang="en-GB"/>
           </a:p>
@@ -1490,7 +1575,7 @@
           <a:p>
             <a:fld id="{7F871FFF-B9B9-7542-AF94-6B6F146E5706}" type="datetimeFigureOut">
               <a:rPr lang="en-GB" smtClean="0"/>
-              <a:t>16/07/2023</a:t>
+              <a:t>17/07/2023</a:t>
             </a:fld>
             <a:endParaRPr lang="en-GB"/>
           </a:p>
@@ -2886,7 +2971,7 @@
           <a:p>
             <a:fld id="{7F871FFF-B9B9-7542-AF94-6B6F146E5706}" type="datetimeFigureOut">
               <a:rPr lang="en-GB" smtClean="0"/>
-              <a:t>16/07/2023</a:t>
+              <a:t>17/07/2023</a:t>
             </a:fld>
             <a:endParaRPr lang="en-GB"/>
           </a:p>
@@ -3161,7 +3246,7 @@
           <a:p>
             <a:fld id="{7F871FFF-B9B9-7542-AF94-6B6F146E5706}" type="datetimeFigureOut">
               <a:rPr lang="en-GB" smtClean="0"/>
-              <a:t>16/07/2023</a:t>
+              <a:t>17/07/2023</a:t>
             </a:fld>
             <a:endParaRPr lang="en-GB"/>
           </a:p>
@@ -3426,7 +3511,7 @@
           <a:p>
             <a:fld id="{7F871FFF-B9B9-7542-AF94-6B6F146E5706}" type="datetimeFigureOut">
               <a:rPr lang="en-GB" smtClean="0"/>
-              <a:t>16/07/2023</a:t>
+              <a:t>17/07/2023</a:t>
             </a:fld>
             <a:endParaRPr lang="en-GB"/>
           </a:p>
@@ -3838,7 +3923,7 @@
           <a:p>
             <a:fld id="{7F871FFF-B9B9-7542-AF94-6B6F146E5706}" type="datetimeFigureOut">
               <a:rPr lang="en-GB" smtClean="0"/>
-              <a:t>16/07/2023</a:t>
+              <a:t>17/07/2023</a:t>
             </a:fld>
             <a:endParaRPr lang="en-GB"/>
           </a:p>
@@ -3979,7 +4064,7 @@
           <a:p>
             <a:fld id="{7F871FFF-B9B9-7542-AF94-6B6F146E5706}" type="datetimeFigureOut">
               <a:rPr lang="en-GB" smtClean="0"/>
-              <a:t>16/07/2023</a:t>
+              <a:t>17/07/2023</a:t>
             </a:fld>
             <a:endParaRPr lang="en-GB"/>
           </a:p>
@@ -4092,7 +4177,7 @@
           <a:p>
             <a:fld id="{7F871FFF-B9B9-7542-AF94-6B6F146E5706}" type="datetimeFigureOut">
               <a:rPr lang="en-GB" smtClean="0"/>
-              <a:t>16/07/2023</a:t>
+              <a:t>17/07/2023</a:t>
             </a:fld>
             <a:endParaRPr lang="en-GB"/>
           </a:p>
@@ -4403,7 +4488,7 @@
           <a:p>
             <a:fld id="{7F871FFF-B9B9-7542-AF94-6B6F146E5706}" type="datetimeFigureOut">
               <a:rPr lang="en-GB" smtClean="0"/>
-              <a:t>16/07/2023</a:t>
+              <a:t>17/07/2023</a:t>
             </a:fld>
             <a:endParaRPr lang="en-GB"/>
           </a:p>
@@ -4691,7 +4776,7 @@
           <a:p>
             <a:fld id="{7F871FFF-B9B9-7542-AF94-6B6F146E5706}" type="datetimeFigureOut">
               <a:rPr lang="en-GB" smtClean="0"/>
-              <a:t>16/07/2023</a:t>
+              <a:t>17/07/2023</a:t>
             </a:fld>
             <a:endParaRPr lang="en-GB"/>
           </a:p>
@@ -4932,7 +5017,7 @@
           <a:p>
             <a:fld id="{7F871FFF-B9B9-7542-AF94-6B6F146E5706}" type="datetimeFigureOut">
               <a:rPr lang="en-GB" smtClean="0"/>
-              <a:t>16/07/2023</a:t>
+              <a:t>17/07/2023</a:t>
             </a:fld>
             <a:endParaRPr lang="en-GB"/>
           </a:p>
@@ -6729,43 +6814,34 @@
           <a:p>
             <a:r>
               <a:rPr lang="en-GB" dirty="0"/>
-              <a:t>This is managed inside the </a:t>
-            </a:r>
-            <a:r>
-              <a:rPr lang="en-GB" dirty="0" err="1"/>
-              <a:t>wdio.conf.ts</a:t>
-            </a:r>
+              <a:t>This is managed inside the wdio.conf.ts file</a:t>
+            </a:r>
+          </a:p>
+          <a:p>
             <a:r>
               <a:rPr lang="en-GB" dirty="0"/>
-              <a:t> file</a:t>
+              <a:t>To run all your tests type: npx wdio wdio.conf.ts</a:t>
             </a:r>
           </a:p>
           <a:p>
             <a:r>
               <a:rPr lang="en-GB" dirty="0"/>
-              <a:t>To run all your tests type: </a:t>
-            </a:r>
-            <a:r>
-              <a:rPr lang="en-GB" dirty="0" err="1"/>
-              <a:t>npx</a:t>
-            </a:r>
+              <a:t>Configure browser properties:</a:t>
+            </a:r>
+          </a:p>
+          <a:p>
+            <a:pPr lvl="1"/>
             <a:r>
               <a:rPr lang="en-GB" dirty="0"/>
-              <a:t> </a:t>
-            </a:r>
-            <a:r>
-              <a:rPr lang="en-GB" dirty="0" err="1"/>
-              <a:t>wdio</a:t>
-            </a:r>
+              <a:t>Has property maxInstances which controls the number of browser threads</a:t>
+            </a:r>
+          </a:p>
+          <a:p>
+            <a:pPr lvl="1"/>
             <a:r>
               <a:rPr lang="en-GB" dirty="0"/>
-              <a:t> </a:t>
-            </a:r>
-            <a:r>
-              <a:rPr lang="en-GB" dirty="0" err="1"/>
-              <a:t>wdio.conf.ts</a:t>
-            </a:r>
-            <a:endParaRPr lang="en-GB" dirty="0"/>
+              <a:t>Has property setWindowRect -&gt; Browser Real-estate dimensions </a:t>
+            </a:r>
           </a:p>
         </p:txBody>
       </p:sp>
@@ -6970,6 +7046,196 @@
     <p:extLst>
       <p:ext uri="{BB962C8B-B14F-4D97-AF65-F5344CB8AC3E}">
         <p14:creationId xmlns:p14="http://schemas.microsoft.com/office/powerpoint/2010/main" val="2876817607"/>
+      </p:ext>
+    </p:extLst>
+  </p:cSld>
+  <p:clrMapOvr>
+    <a:masterClrMapping/>
+  </p:clrMapOvr>
+</p:sld>
+</file>
+
+<file path=ppt/slides/slide14.xml><?xml version="1.0" encoding="utf-8"?>
+<p:sld xmlns:a="http://schemas.openxmlformats.org/drawingml/2006/main" xmlns:r="http://schemas.openxmlformats.org/officeDocument/2006/relationships" xmlns:p="http://schemas.openxmlformats.org/presentationml/2006/main">
+  <p:cSld>
+    <p:spTree>
+      <p:nvGrpSpPr>
+        <p:cNvPr id="1" name=""/>
+        <p:cNvGrpSpPr/>
+        <p:nvPr/>
+      </p:nvGrpSpPr>
+      <p:grpSpPr>
+        <a:xfrm>
+          <a:off x="0" y="0"/>
+          <a:ext cx="0" cy="0"/>
+          <a:chOff x="0" y="0"/>
+          <a:chExt cx="0" cy="0"/>
+        </a:xfrm>
+      </p:grpSpPr>
+      <p:sp>
+        <p:nvSpPr>
+          <p:cNvPr id="2" name="Title 1">
+            <a:extLst>
+              <a:ext uri="{FF2B5EF4-FFF2-40B4-BE49-F238E27FC236}">
+                <a16:creationId xmlns:a16="http://schemas.microsoft.com/office/drawing/2014/main" id="{6A57718B-BDB4-D85B-AB84-0BF8356876AC}"/>
+              </a:ext>
+            </a:extLst>
+          </p:cNvPr>
+          <p:cNvSpPr>
+            <a:spLocks noGrp="1"/>
+          </p:cNvSpPr>
+          <p:nvPr>
+            <p:ph type="title"/>
+          </p:nvPr>
+        </p:nvSpPr>
+        <p:spPr/>
+        <p:txBody>
+          <a:bodyPr/>
+          <a:lstStyle/>
+          <a:p>
+            <a:r>
+              <a:rPr lang="en-US" dirty="0"/>
+              <a:t>Numerous Reporting Options</a:t>
+            </a:r>
+          </a:p>
+        </p:txBody>
+      </p:sp>
+      <p:pic>
+        <p:nvPicPr>
+          <p:cNvPr id="9" name="Content Placeholder 8" descr="A screen shot of a computer program&#10;&#10;Description automatically generated">
+            <a:extLst>
+              <a:ext uri="{FF2B5EF4-FFF2-40B4-BE49-F238E27FC236}">
+                <a16:creationId xmlns:a16="http://schemas.microsoft.com/office/drawing/2014/main" id="{97039065-56D0-9213-BAD8-1AC3DCDBA477}"/>
+              </a:ext>
+            </a:extLst>
+          </p:cNvPr>
+          <p:cNvPicPr>
+            <a:picLocks noGrp="1" noChangeAspect="1"/>
+          </p:cNvPicPr>
+          <p:nvPr>
+            <p:ph idx="1"/>
+          </p:nvPr>
+        </p:nvPicPr>
+        <p:blipFill>
+          <a:blip r:embed="rId2"/>
+          <a:stretch>
+            <a:fillRect/>
+          </a:stretch>
+        </p:blipFill>
+        <p:spPr>
+          <a:xfrm>
+            <a:off x="838200" y="1778794"/>
+            <a:ext cx="3760694" cy="1500479"/>
+          </a:xfrm>
+        </p:spPr>
+      </p:pic>
+      <p:pic>
+        <p:nvPicPr>
+          <p:cNvPr id="11" name="Picture 10" descr="A screenshot of a computer&#10;&#10;Description automatically generated">
+            <a:extLst>
+              <a:ext uri="{FF2B5EF4-FFF2-40B4-BE49-F238E27FC236}">
+                <a16:creationId xmlns:a16="http://schemas.microsoft.com/office/drawing/2014/main" id="{E17ED218-1894-9791-4C37-CCC5055A03F8}"/>
+              </a:ext>
+            </a:extLst>
+          </p:cNvPr>
+          <p:cNvPicPr>
+            <a:picLocks noChangeAspect="1"/>
+          </p:cNvPicPr>
+          <p:nvPr/>
+        </p:nvPicPr>
+        <p:blipFill>
+          <a:blip r:embed="rId3"/>
+          <a:stretch>
+            <a:fillRect/>
+          </a:stretch>
+        </p:blipFill>
+        <p:spPr>
+          <a:xfrm>
+            <a:off x="5630128" y="1690688"/>
+            <a:ext cx="5485733" cy="3409660"/>
+          </a:xfrm>
+          <a:prstGeom prst="rect">
+            <a:avLst/>
+          </a:prstGeom>
+        </p:spPr>
+      </p:pic>
+      <p:sp>
+        <p:nvSpPr>
+          <p:cNvPr id="12" name="TextBox 11">
+            <a:extLst>
+              <a:ext uri="{FF2B5EF4-FFF2-40B4-BE49-F238E27FC236}">
+                <a16:creationId xmlns:a16="http://schemas.microsoft.com/office/drawing/2014/main" id="{BA98F2A2-0F27-3576-A553-A4F173236E3C}"/>
+              </a:ext>
+            </a:extLst>
+          </p:cNvPr>
+          <p:cNvSpPr txBox="1"/>
+          <p:nvPr/>
+        </p:nvSpPr>
+        <p:spPr>
+          <a:xfrm>
+            <a:off x="838200" y="4437529"/>
+            <a:ext cx="3671047" cy="830997"/>
+          </a:xfrm>
+          <a:prstGeom prst="rect">
+            <a:avLst/>
+          </a:prstGeom>
+          <a:noFill/>
+        </p:spPr>
+        <p:txBody>
+          <a:bodyPr wrap="square" rtlCol="0">
+            <a:spAutoFit/>
+          </a:bodyPr>
+          <a:lstStyle/>
+          <a:p>
+            <a:r>
+              <a:rPr lang="en-US" sz="1200" b="1" dirty="0"/>
+              <a:t>You are up and running within minutes!</a:t>
+            </a:r>
+          </a:p>
+          <a:p>
+            <a:pPr marL="171450" indent="-171450">
+              <a:buFont typeface="Arial" panose="020B0604020202020204" pitchFamily="34" charset="0"/>
+              <a:buChar char="•"/>
+            </a:pPr>
+            <a:r>
+              <a:rPr lang="en-US" sz="1200" dirty="0"/>
+              <a:t>Install Java 8</a:t>
+            </a:r>
+          </a:p>
+          <a:p>
+            <a:pPr marL="171450" indent="-171450">
+              <a:buFont typeface="Arial" panose="020B0604020202020204" pitchFamily="34" charset="0"/>
+              <a:buChar char="•"/>
+            </a:pPr>
+            <a:r>
+              <a:rPr lang="en-US" sz="1200" dirty="0"/>
+              <a:t>npm install –g allure-</a:t>
+            </a:r>
+            <a:r>
+              <a:rPr lang="en-US" sz="1200" dirty="0" err="1"/>
+              <a:t>commandline</a:t>
+            </a:r>
+            <a:r>
+              <a:rPr lang="en-US" sz="1200" dirty="0"/>
+              <a:t> –save-dev</a:t>
+            </a:r>
+          </a:p>
+          <a:p>
+            <a:pPr marL="171450" indent="-171450">
+              <a:buFont typeface="Arial" panose="020B0604020202020204" pitchFamily="34" charset="0"/>
+              <a:buChar char="•"/>
+            </a:pPr>
+            <a:r>
+              <a:rPr lang="en-US" sz="1200" dirty="0"/>
+              <a:t>allure serve -&gt; Generates an interactive HTML report</a:t>
+            </a:r>
+          </a:p>
+        </p:txBody>
+      </p:sp>
+    </p:spTree>
+    <p:extLst>
+      <p:ext uri="{BB962C8B-B14F-4D97-AF65-F5344CB8AC3E}">
+        <p14:creationId xmlns:p14="http://schemas.microsoft.com/office/powerpoint/2010/main" val="59786671"/>
       </p:ext>
     </p:extLst>
   </p:cSld>

--- a/WDIO.pptx
+++ b/WDIO.pptx
@@ -5,23 +5,24 @@
     <p:sldMasterId id="2147483648" r:id="rId1"/>
   </p:sldMasterIdLst>
   <p:notesMasterIdLst>
-    <p:notesMasterId r:id="rId16"/>
+    <p:notesMasterId r:id="rId17"/>
   </p:notesMasterIdLst>
   <p:sldIdLst>
     <p:sldId id="256" r:id="rId2"/>
     <p:sldId id="2147479998" r:id="rId3"/>
     <p:sldId id="257" r:id="rId4"/>
-    <p:sldId id="2147479997" r:id="rId5"/>
-    <p:sldId id="2147377253" r:id="rId6"/>
-    <p:sldId id="1040" r:id="rId7"/>
-    <p:sldId id="4388" r:id="rId8"/>
+    <p:sldId id="2147377253" r:id="rId5"/>
+    <p:sldId id="1040" r:id="rId6"/>
+    <p:sldId id="4388" r:id="rId7"/>
+    <p:sldId id="2147480000" r:id="rId8"/>
     <p:sldId id="259" r:id="rId9"/>
     <p:sldId id="258" r:id="rId10"/>
     <p:sldId id="261" r:id="rId11"/>
-    <p:sldId id="262" r:id="rId12"/>
-    <p:sldId id="263" r:id="rId13"/>
+    <p:sldId id="263" r:id="rId12"/>
+    <p:sldId id="262" r:id="rId13"/>
     <p:sldId id="264" r:id="rId14"/>
     <p:sldId id="2147479999" r:id="rId15"/>
+    <p:sldId id="2147479997" r:id="rId16"/>
   </p:sldIdLst>
   <p:sldSz cx="12192000" cy="6858000"/>
   <p:notesSz cx="6858000" cy="9144000"/>
@@ -210,7 +211,7 @@
           <a:p>
             <a:fld id="{60FAB3C2-BFE3-9940-B603-2819D79DEBA2}" type="datetimeFigureOut">
               <a:rPr lang="en-US" smtClean="0"/>
-              <a:t>7/17/23</a:t>
+              <a:t>7/24/23</a:t>
             </a:fld>
             <a:endParaRPr lang="en-US"/>
           </a:p>
@@ -593,7 +594,7 @@
                 <a:tabLst/>
                 <a:defRPr/>
               </a:pPr>
-              <a:t>5</a:t>
+              <a:t>4</a:t>
             </a:fld>
             <a:endParaRPr kumimoji="0" lang="en-US" sz="1200" b="0" i="0" u="none" strike="noStrike" kern="1200" cap="none" spc="0" normalizeH="0" baseline="0" noProof="0">
               <a:ln>
@@ -751,7 +752,7 @@
           <a:p>
             <a:fld id="{D41168C9-BC28-D649-BBC5-8387760449FF}" type="slidenum">
               <a:rPr lang="en-US" smtClean="0"/>
-              <a:t>6</a:t>
+              <a:t>5</a:t>
             </a:fld>
             <a:endParaRPr lang="en-US"/>
           </a:p>
@@ -835,7 +836,7 @@
           <a:p>
             <a:fld id="{8425A2E4-D314-BC4B-8341-9119569B3DB8}" type="slidenum">
               <a:rPr lang="en-US" smtClean="0"/>
-              <a:t>7</a:t>
+              <a:t>6</a:t>
             </a:fld>
             <a:endParaRPr lang="en-US"/>
           </a:p>
@@ -919,7 +920,7 @@
           <a:p>
             <a:fld id="{8425A2E4-D314-BC4B-8341-9119569B3DB8}" type="slidenum">
               <a:rPr lang="en-US" smtClean="0"/>
-              <a:t>11</a:t>
+              <a:t>12</a:t>
             </a:fld>
             <a:endParaRPr lang="en-US"/>
           </a:p>
@@ -1169,7 +1170,7 @@
           <a:p>
             <a:fld id="{7F871FFF-B9B9-7542-AF94-6B6F146E5706}" type="datetimeFigureOut">
               <a:rPr lang="en-GB" smtClean="0"/>
-              <a:t>17/07/2023</a:t>
+              <a:t>24/07/2023</a:t>
             </a:fld>
             <a:endParaRPr lang="en-GB"/>
           </a:p>
@@ -1367,7 +1368,7 @@
           <a:p>
             <a:fld id="{7F871FFF-B9B9-7542-AF94-6B6F146E5706}" type="datetimeFigureOut">
               <a:rPr lang="en-GB" smtClean="0"/>
-              <a:t>17/07/2023</a:t>
+              <a:t>24/07/2023</a:t>
             </a:fld>
             <a:endParaRPr lang="en-GB"/>
           </a:p>
@@ -1575,7 +1576,7 @@
           <a:p>
             <a:fld id="{7F871FFF-B9B9-7542-AF94-6B6F146E5706}" type="datetimeFigureOut">
               <a:rPr lang="en-GB" smtClean="0"/>
-              <a:t>17/07/2023</a:t>
+              <a:t>24/07/2023</a:t>
             </a:fld>
             <a:endParaRPr lang="en-GB"/>
           </a:p>
@@ -2971,7 +2972,7 @@
           <a:p>
             <a:fld id="{7F871FFF-B9B9-7542-AF94-6B6F146E5706}" type="datetimeFigureOut">
               <a:rPr lang="en-GB" smtClean="0"/>
-              <a:t>17/07/2023</a:t>
+              <a:t>24/07/2023</a:t>
             </a:fld>
             <a:endParaRPr lang="en-GB"/>
           </a:p>
@@ -3246,7 +3247,7 @@
           <a:p>
             <a:fld id="{7F871FFF-B9B9-7542-AF94-6B6F146E5706}" type="datetimeFigureOut">
               <a:rPr lang="en-GB" smtClean="0"/>
-              <a:t>17/07/2023</a:t>
+              <a:t>24/07/2023</a:t>
             </a:fld>
             <a:endParaRPr lang="en-GB"/>
           </a:p>
@@ -3511,7 +3512,7 @@
           <a:p>
             <a:fld id="{7F871FFF-B9B9-7542-AF94-6B6F146E5706}" type="datetimeFigureOut">
               <a:rPr lang="en-GB" smtClean="0"/>
-              <a:t>17/07/2023</a:t>
+              <a:t>24/07/2023</a:t>
             </a:fld>
             <a:endParaRPr lang="en-GB"/>
           </a:p>
@@ -3923,7 +3924,7 @@
           <a:p>
             <a:fld id="{7F871FFF-B9B9-7542-AF94-6B6F146E5706}" type="datetimeFigureOut">
               <a:rPr lang="en-GB" smtClean="0"/>
-              <a:t>17/07/2023</a:t>
+              <a:t>24/07/2023</a:t>
             </a:fld>
             <a:endParaRPr lang="en-GB"/>
           </a:p>
@@ -4064,7 +4065,7 @@
           <a:p>
             <a:fld id="{7F871FFF-B9B9-7542-AF94-6B6F146E5706}" type="datetimeFigureOut">
               <a:rPr lang="en-GB" smtClean="0"/>
-              <a:t>17/07/2023</a:t>
+              <a:t>24/07/2023</a:t>
             </a:fld>
             <a:endParaRPr lang="en-GB"/>
           </a:p>
@@ -4177,7 +4178,7 @@
           <a:p>
             <a:fld id="{7F871FFF-B9B9-7542-AF94-6B6F146E5706}" type="datetimeFigureOut">
               <a:rPr lang="en-GB" smtClean="0"/>
-              <a:t>17/07/2023</a:t>
+              <a:t>24/07/2023</a:t>
             </a:fld>
             <a:endParaRPr lang="en-GB"/>
           </a:p>
@@ -4488,7 +4489,7 @@
           <a:p>
             <a:fld id="{7F871FFF-B9B9-7542-AF94-6B6F146E5706}" type="datetimeFigureOut">
               <a:rPr lang="en-GB" smtClean="0"/>
-              <a:t>17/07/2023</a:t>
+              <a:t>24/07/2023</a:t>
             </a:fld>
             <a:endParaRPr lang="en-GB"/>
           </a:p>
@@ -4776,7 +4777,7 @@
           <a:p>
             <a:fld id="{7F871FFF-B9B9-7542-AF94-6B6F146E5706}" type="datetimeFigureOut">
               <a:rPr lang="en-GB" smtClean="0"/>
-              <a:t>17/07/2023</a:t>
+              <a:t>24/07/2023</a:t>
             </a:fld>
             <a:endParaRPr lang="en-GB"/>
           </a:p>
@@ -5017,7 +5018,7 @@
           <a:p>
             <a:fld id="{7F871FFF-B9B9-7542-AF94-6B6F146E5706}" type="datetimeFigureOut">
               <a:rPr lang="en-GB" smtClean="0"/>
-              <a:t>17/07/2023</a:t>
+              <a:t>24/07/2023</a:t>
             </a:fld>
             <a:endParaRPr lang="en-GB"/>
           </a:p>
@@ -6768,7 +6769,7 @@
           <p:cNvPr id="2" name="Title 1">
             <a:extLst>
               <a:ext uri="{FF2B5EF4-FFF2-40B4-BE49-F238E27FC236}">
-                <a16:creationId xmlns:a16="http://schemas.microsoft.com/office/drawing/2014/main" id="{3A0FB0F1-C2B6-4D9E-0FFA-BB898B4BC971}"/>
+                <a16:creationId xmlns:a16="http://schemas.microsoft.com/office/drawing/2014/main" id="{2C782900-C883-83D7-2974-5A4E7A963FD5}"/>
               </a:ext>
             </a:extLst>
           </p:cNvPr>
@@ -6786,7 +6787,7 @@
           <a:p>
             <a:r>
               <a:rPr lang="en-GB" dirty="0"/>
-              <a:t>Test Runner config</a:t>
+              <a:t>Customisation</a:t>
             </a:r>
           </a:p>
         </p:txBody>
@@ -6796,7 +6797,7 @@
           <p:cNvPr id="3" name="Content Placeholder 2">
             <a:extLst>
               <a:ext uri="{FF2B5EF4-FFF2-40B4-BE49-F238E27FC236}">
-                <a16:creationId xmlns:a16="http://schemas.microsoft.com/office/drawing/2014/main" id="{47F3238F-9ADE-47C0-F6CE-4DB22BCB8E34}"/>
+                <a16:creationId xmlns:a16="http://schemas.microsoft.com/office/drawing/2014/main" id="{2A02B22E-79B6-39C4-B14D-656EE742965A}"/>
               </a:ext>
             </a:extLst>
           </p:cNvPr>
@@ -6814,33 +6815,25 @@
           <a:p>
             <a:r>
               <a:rPr lang="en-GB" dirty="0"/>
-              <a:t>This is managed inside the wdio.conf.ts file</a:t>
-            </a:r>
-          </a:p>
-          <a:p>
+              <a:t>npm init wdio -&gt; Installs the Core Packages</a:t>
+            </a:r>
+          </a:p>
+          <a:p>
+            <a:pPr marL="0" indent="0">
+              <a:buNone/>
+            </a:pPr>
             <a:r>
               <a:rPr lang="en-GB" dirty="0"/>
-              <a:t>To run all your tests type: npx wdio wdio.conf.ts</a:t>
-            </a:r>
-          </a:p>
-          <a:p>
+              <a:t>		      -&gt; Prompts you with a Wizard for Setup to install the </a:t>
+            </a:r>
+          </a:p>
+          <a:p>
+            <a:pPr marL="0" indent="0">
+              <a:buNone/>
+            </a:pPr>
             <a:r>
               <a:rPr lang="en-GB" dirty="0"/>
-              <a:t>Configure browser properties:</a:t>
-            </a:r>
-          </a:p>
-          <a:p>
-            <a:pPr lvl="1"/>
-            <a:r>
-              <a:rPr lang="en-GB" dirty="0"/>
-              <a:t>Has property maxInstances which controls the number of browser threads</a:t>
-            </a:r>
-          </a:p>
-          <a:p>
-            <a:pPr lvl="1"/>
-            <a:r>
-              <a:rPr lang="en-GB" dirty="0"/>
-              <a:t>Has property setWindowRect -&gt; Browser Real-estate dimensions </a:t>
+              <a:t>		          desired Configuration</a:t>
             </a:r>
           </a:p>
         </p:txBody>
@@ -6848,7 +6841,7 @@
     </p:spTree>
     <p:extLst>
       <p:ext uri="{BB962C8B-B14F-4D97-AF65-F5344CB8AC3E}">
-        <p14:creationId xmlns:p14="http://schemas.microsoft.com/office/powerpoint/2010/main" val="3063794418"/>
+        <p14:creationId xmlns:p14="http://schemas.microsoft.com/office/powerpoint/2010/main" val="1283131419"/>
       </p:ext>
     </p:extLst>
   </p:cSld>
@@ -6880,7 +6873,7 @@
           <p:cNvPr id="2" name="Title 1">
             <a:extLst>
               <a:ext uri="{FF2B5EF4-FFF2-40B4-BE49-F238E27FC236}">
-                <a16:creationId xmlns:a16="http://schemas.microsoft.com/office/drawing/2014/main" id="{2C782900-C883-83D7-2974-5A4E7A963FD5}"/>
+                <a16:creationId xmlns:a16="http://schemas.microsoft.com/office/drawing/2014/main" id="{3A0FB0F1-C2B6-4D9E-0FFA-BB898B4BC971}"/>
               </a:ext>
             </a:extLst>
           </p:cNvPr>
@@ -6898,7 +6891,7 @@
           <a:p>
             <a:r>
               <a:rPr lang="en-GB" dirty="0"/>
-              <a:t>Customisation</a:t>
+              <a:t>Test Runner config</a:t>
             </a:r>
           </a:p>
         </p:txBody>
@@ -6908,7 +6901,7 @@
           <p:cNvPr id="3" name="Content Placeholder 2">
             <a:extLst>
               <a:ext uri="{FF2B5EF4-FFF2-40B4-BE49-F238E27FC236}">
-                <a16:creationId xmlns:a16="http://schemas.microsoft.com/office/drawing/2014/main" id="{2A02B22E-79B6-39C4-B14D-656EE742965A}"/>
+                <a16:creationId xmlns:a16="http://schemas.microsoft.com/office/drawing/2014/main" id="{47F3238F-9ADE-47C0-F6CE-4DB22BCB8E34}"/>
               </a:ext>
             </a:extLst>
           </p:cNvPr>
@@ -6926,25 +6919,38 @@
           <a:p>
             <a:r>
               <a:rPr lang="en-GB" dirty="0"/>
-              <a:t>npm init wdio -&gt; Installs the Core Packages</a:t>
-            </a:r>
-          </a:p>
-          <a:p>
-            <a:pPr marL="0" indent="0">
-              <a:buNone/>
-            </a:pPr>
+              <a:t>This is managed inside the wdio.conf.ts file</a:t>
+            </a:r>
+          </a:p>
+          <a:p>
             <a:r>
               <a:rPr lang="en-GB" dirty="0"/>
-              <a:t>		      -&gt; Prompts you with a Wizard for Setup to install the </a:t>
-            </a:r>
-          </a:p>
-          <a:p>
-            <a:pPr marL="0" indent="0">
-              <a:buNone/>
-            </a:pPr>
+              <a:t>To run all your tests type: npx wdio wdio.conf.ts</a:t>
+            </a:r>
+          </a:p>
+          <a:p>
             <a:r>
               <a:rPr lang="en-GB" dirty="0"/>
-              <a:t>		          desired Configuration</a:t>
+              <a:t>Configure browser properties:</a:t>
+            </a:r>
+          </a:p>
+          <a:p>
+            <a:pPr lvl="1"/>
+            <a:r>
+              <a:rPr lang="en-GB" dirty="0"/>
+              <a:t>Has property maxInstances which controls the number of browser threads. By default when the Test Runner starts it identifies the number of feature/spec files to run. The scope is set based on the tags in the tests. It then looks for the number of capabilities – and assigns a feature file to each capability. You can use the exclude option to avoid assigning a feature to </a:t>
+            </a:r>
+            <a:r>
+              <a:rPr lang="en-GB"/>
+              <a:t>a capability</a:t>
+            </a:r>
+            <a:endParaRPr lang="en-GB" dirty="0"/>
+          </a:p>
+          <a:p>
+            <a:pPr lvl="1"/>
+            <a:r>
+              <a:rPr lang="en-GB" dirty="0"/>
+              <a:t>Has property setWindowRect -&gt; Browser Real-estate dimensions </a:t>
             </a:r>
           </a:p>
         </p:txBody>
@@ -6952,7 +6958,7 @@
     </p:spTree>
     <p:extLst>
       <p:ext uri="{BB962C8B-B14F-4D97-AF65-F5344CB8AC3E}">
-        <p14:creationId xmlns:p14="http://schemas.microsoft.com/office/powerpoint/2010/main" val="1283131419"/>
+        <p14:creationId xmlns:p14="http://schemas.microsoft.com/office/powerpoint/2010/main" val="3063794418"/>
       </p:ext>
     </p:extLst>
   </p:cSld>
@@ -7245,280 +7251,7 @@
 </p:sld>
 </file>
 
-<file path=ppt/slides/slide2.xml><?xml version="1.0" encoding="utf-8"?>
-<p:sld xmlns:a="http://schemas.openxmlformats.org/drawingml/2006/main" xmlns:r="http://schemas.openxmlformats.org/officeDocument/2006/relationships" xmlns:p="http://schemas.openxmlformats.org/presentationml/2006/main">
-  <p:cSld>
-    <p:spTree>
-      <p:nvGrpSpPr>
-        <p:cNvPr id="1" name=""/>
-        <p:cNvGrpSpPr/>
-        <p:nvPr/>
-      </p:nvGrpSpPr>
-      <p:grpSpPr>
-        <a:xfrm>
-          <a:off x="0" y="0"/>
-          <a:ext cx="0" cy="0"/>
-          <a:chOff x="0" y="0"/>
-          <a:chExt cx="0" cy="0"/>
-        </a:xfrm>
-      </p:grpSpPr>
-      <p:sp>
-        <p:nvSpPr>
-          <p:cNvPr id="2" name="Title 1">
-            <a:extLst>
-              <a:ext uri="{FF2B5EF4-FFF2-40B4-BE49-F238E27FC236}">
-                <a16:creationId xmlns:a16="http://schemas.microsoft.com/office/drawing/2014/main" id="{9BFE680E-F268-84D4-D4D2-F09944167448}"/>
-              </a:ext>
-            </a:extLst>
-          </p:cNvPr>
-          <p:cNvSpPr>
-            <a:spLocks noGrp="1"/>
-          </p:cNvSpPr>
-          <p:nvPr>
-            <p:ph type="title"/>
-          </p:nvPr>
-        </p:nvSpPr>
-        <p:spPr/>
-        <p:txBody>
-          <a:bodyPr/>
-          <a:lstStyle/>
-          <a:p>
-            <a:r>
-              <a:rPr lang="en-GB" dirty="0"/>
-              <a:t>Agenda</a:t>
-            </a:r>
-          </a:p>
-        </p:txBody>
-      </p:sp>
-      <p:sp>
-        <p:nvSpPr>
-          <p:cNvPr id="3" name="Content Placeholder 2">
-            <a:extLst>
-              <a:ext uri="{FF2B5EF4-FFF2-40B4-BE49-F238E27FC236}">
-                <a16:creationId xmlns:a16="http://schemas.microsoft.com/office/drawing/2014/main" id="{AFB2C728-F222-E3E9-5C78-2598FA2DF5B2}"/>
-              </a:ext>
-            </a:extLst>
-          </p:cNvPr>
-          <p:cNvSpPr>
-            <a:spLocks noGrp="1"/>
-          </p:cNvSpPr>
-          <p:nvPr>
-            <p:ph idx="1"/>
-          </p:nvPr>
-        </p:nvSpPr>
-        <p:spPr/>
-        <p:txBody>
-          <a:bodyPr/>
-          <a:lstStyle/>
-          <a:p>
-            <a:r>
-              <a:rPr lang="en-GB" dirty="0"/>
-              <a:t>What are the benefits, values, and risks of adopting WebDriverIO?</a:t>
-            </a:r>
-          </a:p>
-          <a:p>
-            <a:r>
-              <a:rPr lang="en-GB" dirty="0"/>
-              <a:t>What constraints do we have in the organisation…</a:t>
-            </a:r>
-          </a:p>
-          <a:p>
-            <a:r>
-              <a:rPr lang="en-GB" dirty="0"/>
-              <a:t>Might not be feasible right now…</a:t>
-            </a:r>
-          </a:p>
-          <a:p>
-            <a:r>
-              <a:rPr lang="en-GB" dirty="0"/>
-              <a:t>In the context of the environment</a:t>
-            </a:r>
-          </a:p>
-          <a:p>
-            <a:endParaRPr lang="en-GB" dirty="0"/>
-          </a:p>
-        </p:txBody>
-      </p:sp>
-    </p:spTree>
-    <p:extLst>
-      <p:ext uri="{BB962C8B-B14F-4D97-AF65-F5344CB8AC3E}">
-        <p14:creationId xmlns:p14="http://schemas.microsoft.com/office/powerpoint/2010/main" val="1280376884"/>
-      </p:ext>
-    </p:extLst>
-  </p:cSld>
-  <p:clrMapOvr>
-    <a:masterClrMapping/>
-  </p:clrMapOvr>
-</p:sld>
-</file>
-
-<file path=ppt/slides/slide3.xml><?xml version="1.0" encoding="utf-8"?>
-<p:sld xmlns:a="http://schemas.openxmlformats.org/drawingml/2006/main" xmlns:r="http://schemas.openxmlformats.org/officeDocument/2006/relationships" xmlns:p="http://schemas.openxmlformats.org/presentationml/2006/main">
-  <p:cSld>
-    <p:spTree>
-      <p:nvGrpSpPr>
-        <p:cNvPr id="1" name=""/>
-        <p:cNvGrpSpPr/>
-        <p:nvPr/>
-      </p:nvGrpSpPr>
-      <p:grpSpPr>
-        <a:xfrm>
-          <a:off x="0" y="0"/>
-          <a:ext cx="0" cy="0"/>
-          <a:chOff x="0" y="0"/>
-          <a:chExt cx="0" cy="0"/>
-        </a:xfrm>
-      </p:grpSpPr>
-      <p:sp>
-        <p:nvSpPr>
-          <p:cNvPr id="2" name="Title 1">
-            <a:extLst>
-              <a:ext uri="{FF2B5EF4-FFF2-40B4-BE49-F238E27FC236}">
-                <a16:creationId xmlns:a16="http://schemas.microsoft.com/office/drawing/2014/main" id="{90926359-82E8-A052-4BC7-B08545FBD54D}"/>
-              </a:ext>
-            </a:extLst>
-          </p:cNvPr>
-          <p:cNvSpPr>
-            <a:spLocks noGrp="1"/>
-          </p:cNvSpPr>
-          <p:nvPr>
-            <p:ph type="title"/>
-          </p:nvPr>
-        </p:nvSpPr>
-        <p:spPr/>
-        <p:txBody>
-          <a:bodyPr/>
-          <a:lstStyle/>
-          <a:p>
-            <a:r>
-              <a:rPr lang="en-GB" dirty="0"/>
-              <a:t>What is WDIO?</a:t>
-            </a:r>
-          </a:p>
-        </p:txBody>
-      </p:sp>
-      <p:sp>
-        <p:nvSpPr>
-          <p:cNvPr id="3" name="Content Placeholder 2">
-            <a:extLst>
-              <a:ext uri="{FF2B5EF4-FFF2-40B4-BE49-F238E27FC236}">
-                <a16:creationId xmlns:a16="http://schemas.microsoft.com/office/drawing/2014/main" id="{CBF9D862-DD1C-648E-57FD-CEC11804013C}"/>
-              </a:ext>
-            </a:extLst>
-          </p:cNvPr>
-          <p:cNvSpPr>
-            <a:spLocks noGrp="1"/>
-          </p:cNvSpPr>
-          <p:nvPr>
-            <p:ph idx="1"/>
-          </p:nvPr>
-        </p:nvSpPr>
-        <p:spPr/>
-        <p:txBody>
-          <a:bodyPr>
-            <a:normAutofit/>
-          </a:bodyPr>
-          <a:lstStyle/>
-          <a:p>
-            <a:r>
-              <a:rPr lang="en-GB" sz="2400" dirty="0"/>
-              <a:t>It is a full test framework with numerous additional features and utilities</a:t>
-            </a:r>
-          </a:p>
-          <a:p>
-            <a:r>
-              <a:rPr lang="en-GB" sz="2400" dirty="0"/>
-              <a:t>It supports Browser, Mobile and Desktop App Automation, and allows integration of API testing (using 3</a:t>
-            </a:r>
-            <a:r>
-              <a:rPr lang="en-GB" sz="2400" baseline="30000" dirty="0"/>
-              <a:t>rd</a:t>
-            </a:r>
-            <a:r>
-              <a:rPr lang="en-GB" sz="2400" dirty="0"/>
-              <a:t> party libraries like </a:t>
-            </a:r>
-            <a:r>
-              <a:rPr lang="en-GB" sz="2400" dirty="0" err="1"/>
-              <a:t>SuperTest</a:t>
-            </a:r>
-            <a:r>
-              <a:rPr lang="en-GB" sz="2400" dirty="0"/>
-              <a:t>) for Node.js</a:t>
-            </a:r>
-          </a:p>
-          <a:p>
-            <a:r>
-              <a:rPr lang="en-GB" sz="2400" dirty="0">
-                <a:latin typeface="Google Sans"/>
-              </a:rPr>
-              <a:t>WebDriverIO is a better implementation of the WebDriver bindings and supports 50+ types of interactions</a:t>
-            </a:r>
-          </a:p>
-          <a:p>
-            <a:r>
-              <a:rPr lang="en-GB" sz="2400" b="0" i="0" dirty="0">
-                <a:effectLst/>
-                <a:latin typeface="Google Sans"/>
-              </a:rPr>
-              <a:t>WebDriver is W3C compliant and is the official standard for browser automation</a:t>
-            </a:r>
-          </a:p>
-          <a:p>
-            <a:r>
-              <a:rPr lang="en-GB" sz="2400" dirty="0">
-                <a:latin typeface="Google Sans"/>
-              </a:rPr>
-              <a:t>WebDriver is a remote control interface that enables introspection and control of user agents</a:t>
-            </a:r>
-            <a:endParaRPr lang="en-GB" sz="2400" dirty="0"/>
-          </a:p>
-        </p:txBody>
-      </p:sp>
-      <p:pic>
-        <p:nvPicPr>
-          <p:cNvPr id="7" name="Picture 6">
-            <a:extLst>
-              <a:ext uri="{FF2B5EF4-FFF2-40B4-BE49-F238E27FC236}">
-                <a16:creationId xmlns:a16="http://schemas.microsoft.com/office/drawing/2014/main" id="{CB96DB08-0D05-BCA0-4020-1D3F0E746BBB}"/>
-              </a:ext>
-            </a:extLst>
-          </p:cNvPr>
-          <p:cNvPicPr>
-            <a:picLocks noChangeAspect="1"/>
-          </p:cNvPicPr>
-          <p:nvPr/>
-        </p:nvPicPr>
-        <p:blipFill>
-          <a:blip r:embed="rId2"/>
-          <a:stretch>
-            <a:fillRect/>
-          </a:stretch>
-        </p:blipFill>
-        <p:spPr>
-          <a:xfrm>
-            <a:off x="7686843" y="4974860"/>
-            <a:ext cx="3574715" cy="1421762"/>
-          </a:xfrm>
-          <a:prstGeom prst="rect">
-            <a:avLst/>
-          </a:prstGeom>
-        </p:spPr>
-      </p:pic>
-    </p:spTree>
-    <p:extLst>
-      <p:ext uri="{BB962C8B-B14F-4D97-AF65-F5344CB8AC3E}">
-        <p14:creationId xmlns:p14="http://schemas.microsoft.com/office/powerpoint/2010/main" val="3449949183"/>
-      </p:ext>
-    </p:extLst>
-  </p:cSld>
-  <p:clrMapOvr>
-    <a:masterClrMapping/>
-  </p:clrMapOvr>
-</p:sld>
-</file>
-
-<file path=ppt/slides/slide4.xml><?xml version="1.0" encoding="utf-8"?>
+<file path=ppt/slides/slide15.xml><?xml version="1.0" encoding="utf-8"?>
 <p:sld xmlns:a="http://schemas.openxmlformats.org/drawingml/2006/main" xmlns:r="http://schemas.openxmlformats.org/officeDocument/2006/relationships" xmlns:p="http://schemas.openxmlformats.org/presentationml/2006/main">
   <p:cSld>
     <p:spTree>
@@ -7667,7 +7400,7 @@
                 <a:tabLst/>
                 <a:defRPr/>
               </a:pPr>
-              <a:t>4</a:t>
+              <a:t>15</a:t>
             </a:fld>
             <a:endParaRPr kumimoji="0" lang="en-US" sz="800" b="1" i="0" u="none" strike="noStrike" kern="1200" cap="none" spc="0" normalizeH="0" baseline="0" noProof="0">
               <a:ln>
@@ -10449,7 +10182,274 @@
 </p:sld>
 </file>
 
-<file path=ppt/slides/slide5.xml><?xml version="1.0" encoding="utf-8"?>
+<file path=ppt/slides/slide2.xml><?xml version="1.0" encoding="utf-8"?>
+<p:sld xmlns:a="http://schemas.openxmlformats.org/drawingml/2006/main" xmlns:r="http://schemas.openxmlformats.org/officeDocument/2006/relationships" xmlns:p="http://schemas.openxmlformats.org/presentationml/2006/main">
+  <p:cSld>
+    <p:spTree>
+      <p:nvGrpSpPr>
+        <p:cNvPr id="1" name=""/>
+        <p:cNvGrpSpPr/>
+        <p:nvPr/>
+      </p:nvGrpSpPr>
+      <p:grpSpPr>
+        <a:xfrm>
+          <a:off x="0" y="0"/>
+          <a:ext cx="0" cy="0"/>
+          <a:chOff x="0" y="0"/>
+          <a:chExt cx="0" cy="0"/>
+        </a:xfrm>
+      </p:grpSpPr>
+      <p:sp>
+        <p:nvSpPr>
+          <p:cNvPr id="2" name="Title 1">
+            <a:extLst>
+              <a:ext uri="{FF2B5EF4-FFF2-40B4-BE49-F238E27FC236}">
+                <a16:creationId xmlns:a16="http://schemas.microsoft.com/office/drawing/2014/main" id="{9BFE680E-F268-84D4-D4D2-F09944167448}"/>
+              </a:ext>
+            </a:extLst>
+          </p:cNvPr>
+          <p:cNvSpPr>
+            <a:spLocks noGrp="1"/>
+          </p:cNvSpPr>
+          <p:nvPr>
+            <p:ph type="title"/>
+          </p:nvPr>
+        </p:nvSpPr>
+        <p:spPr/>
+        <p:txBody>
+          <a:bodyPr/>
+          <a:lstStyle/>
+          <a:p>
+            <a:r>
+              <a:rPr lang="en-GB" dirty="0"/>
+              <a:t>Agenda</a:t>
+            </a:r>
+          </a:p>
+        </p:txBody>
+      </p:sp>
+      <p:sp>
+        <p:nvSpPr>
+          <p:cNvPr id="3" name="Content Placeholder 2">
+            <a:extLst>
+              <a:ext uri="{FF2B5EF4-FFF2-40B4-BE49-F238E27FC236}">
+                <a16:creationId xmlns:a16="http://schemas.microsoft.com/office/drawing/2014/main" id="{AFB2C728-F222-E3E9-5C78-2598FA2DF5B2}"/>
+              </a:ext>
+            </a:extLst>
+          </p:cNvPr>
+          <p:cNvSpPr>
+            <a:spLocks noGrp="1"/>
+          </p:cNvSpPr>
+          <p:nvPr>
+            <p:ph idx="1"/>
+          </p:nvPr>
+        </p:nvSpPr>
+        <p:spPr/>
+        <p:txBody>
+          <a:bodyPr/>
+          <a:lstStyle/>
+          <a:p>
+            <a:r>
+              <a:rPr lang="en-GB" dirty="0"/>
+              <a:t>What are the benefits and risks of adopting WebDriverIO?</a:t>
+            </a:r>
+          </a:p>
+          <a:p>
+            <a:r>
+              <a:rPr lang="en-GB" dirty="0"/>
+              <a:t>In the current environment is it feasible to adopt, right now?</a:t>
+            </a:r>
+          </a:p>
+          <a:p>
+            <a:endParaRPr lang="en-GB" dirty="0"/>
+          </a:p>
+          <a:p>
+            <a:endParaRPr lang="en-GB" dirty="0"/>
+          </a:p>
+          <a:p>
+            <a:endParaRPr lang="en-GB" dirty="0"/>
+          </a:p>
+        </p:txBody>
+      </p:sp>
+    </p:spTree>
+    <p:extLst>
+      <p:ext uri="{BB962C8B-B14F-4D97-AF65-F5344CB8AC3E}">
+        <p14:creationId xmlns:p14="http://schemas.microsoft.com/office/powerpoint/2010/main" val="1280376884"/>
+      </p:ext>
+    </p:extLst>
+  </p:cSld>
+  <p:clrMapOvr>
+    <a:masterClrMapping/>
+  </p:clrMapOvr>
+</p:sld>
+</file>
+
+<file path=ppt/slides/slide3.xml><?xml version="1.0" encoding="utf-8"?>
+<p:sld xmlns:a="http://schemas.openxmlformats.org/drawingml/2006/main" xmlns:r="http://schemas.openxmlformats.org/officeDocument/2006/relationships" xmlns:p="http://schemas.openxmlformats.org/presentationml/2006/main">
+  <p:cSld>
+    <p:spTree>
+      <p:nvGrpSpPr>
+        <p:cNvPr id="1" name=""/>
+        <p:cNvGrpSpPr/>
+        <p:nvPr/>
+      </p:nvGrpSpPr>
+      <p:grpSpPr>
+        <a:xfrm>
+          <a:off x="0" y="0"/>
+          <a:ext cx="0" cy="0"/>
+          <a:chOff x="0" y="0"/>
+          <a:chExt cx="0" cy="0"/>
+        </a:xfrm>
+      </p:grpSpPr>
+      <p:sp>
+        <p:nvSpPr>
+          <p:cNvPr id="2" name="Title 1">
+            <a:extLst>
+              <a:ext uri="{FF2B5EF4-FFF2-40B4-BE49-F238E27FC236}">
+                <a16:creationId xmlns:a16="http://schemas.microsoft.com/office/drawing/2014/main" id="{90926359-82E8-A052-4BC7-B08545FBD54D}"/>
+              </a:ext>
+            </a:extLst>
+          </p:cNvPr>
+          <p:cNvSpPr>
+            <a:spLocks noGrp="1"/>
+          </p:cNvSpPr>
+          <p:nvPr>
+            <p:ph type="title"/>
+          </p:nvPr>
+        </p:nvSpPr>
+        <p:spPr/>
+        <p:txBody>
+          <a:bodyPr/>
+          <a:lstStyle/>
+          <a:p>
+            <a:r>
+              <a:rPr lang="en-GB" dirty="0"/>
+              <a:t>What is WDIO?</a:t>
+            </a:r>
+          </a:p>
+        </p:txBody>
+      </p:sp>
+      <p:sp>
+        <p:nvSpPr>
+          <p:cNvPr id="3" name="Content Placeholder 2">
+            <a:extLst>
+              <a:ext uri="{FF2B5EF4-FFF2-40B4-BE49-F238E27FC236}">
+                <a16:creationId xmlns:a16="http://schemas.microsoft.com/office/drawing/2014/main" id="{CBF9D862-DD1C-648E-57FD-CEC11804013C}"/>
+              </a:ext>
+            </a:extLst>
+          </p:cNvPr>
+          <p:cNvSpPr>
+            <a:spLocks noGrp="1"/>
+          </p:cNvSpPr>
+          <p:nvPr>
+            <p:ph idx="1"/>
+          </p:nvPr>
+        </p:nvSpPr>
+        <p:spPr/>
+        <p:txBody>
+          <a:bodyPr>
+            <a:normAutofit/>
+          </a:bodyPr>
+          <a:lstStyle/>
+          <a:p>
+            <a:r>
+              <a:rPr lang="en-GB" sz="2400" dirty="0"/>
+              <a:t>It is a full test framework with numerous additional features and utilities</a:t>
+            </a:r>
+          </a:p>
+          <a:p>
+            <a:r>
+              <a:rPr lang="en-GB" sz="2400" dirty="0"/>
+              <a:t>It supports Browser, Mobile and Desktop App Automation, and allows integration of API testing (using 3</a:t>
+            </a:r>
+            <a:r>
+              <a:rPr lang="en-GB" sz="2400" baseline="30000" dirty="0"/>
+              <a:t>rd</a:t>
+            </a:r>
+            <a:r>
+              <a:rPr lang="en-GB" sz="2400" dirty="0"/>
+              <a:t> party libraries like </a:t>
+            </a:r>
+            <a:r>
+              <a:rPr lang="en-GB" sz="2400" dirty="0" err="1"/>
+              <a:t>SuperTest</a:t>
+            </a:r>
+            <a:r>
+              <a:rPr lang="en-GB" sz="2400" dirty="0"/>
+              <a:t>) for Node.js</a:t>
+            </a:r>
+          </a:p>
+          <a:p>
+            <a:r>
+              <a:rPr lang="en-GB" sz="2400" dirty="0">
+                <a:latin typeface="Google Sans"/>
+              </a:rPr>
+              <a:t>WebDriverIO is a better implementation of the WebDriver bindings and supports 50+ types of interactions</a:t>
+            </a:r>
+          </a:p>
+          <a:p>
+            <a:r>
+              <a:rPr lang="en-GB" sz="2400" b="0" i="0" dirty="0">
+                <a:effectLst/>
+                <a:latin typeface="Google Sans"/>
+              </a:rPr>
+              <a:t>WebDriver is W3C compliant and is the official standard for browser automation</a:t>
+            </a:r>
+          </a:p>
+          <a:p>
+            <a:r>
+              <a:rPr lang="en-GB" sz="2400" dirty="0">
+                <a:latin typeface="Google Sans"/>
+              </a:rPr>
+              <a:t>WebDriver is a remote control interface that enables introspection and control of user agents</a:t>
+            </a:r>
+            <a:endParaRPr lang="en-GB" sz="2400" dirty="0"/>
+          </a:p>
+        </p:txBody>
+      </p:sp>
+      <p:pic>
+        <p:nvPicPr>
+          <p:cNvPr id="7" name="Picture 6">
+            <a:extLst>
+              <a:ext uri="{FF2B5EF4-FFF2-40B4-BE49-F238E27FC236}">
+                <a16:creationId xmlns:a16="http://schemas.microsoft.com/office/drawing/2014/main" id="{CB96DB08-0D05-BCA0-4020-1D3F0E746BBB}"/>
+              </a:ext>
+            </a:extLst>
+          </p:cNvPr>
+          <p:cNvPicPr>
+            <a:picLocks noChangeAspect="1"/>
+          </p:cNvPicPr>
+          <p:nvPr/>
+        </p:nvPicPr>
+        <p:blipFill>
+          <a:blip r:embed="rId2"/>
+          <a:stretch>
+            <a:fillRect/>
+          </a:stretch>
+        </p:blipFill>
+        <p:spPr>
+          <a:xfrm>
+            <a:off x="7686843" y="4974860"/>
+            <a:ext cx="3574715" cy="1421762"/>
+          </a:xfrm>
+          <a:prstGeom prst="rect">
+            <a:avLst/>
+          </a:prstGeom>
+        </p:spPr>
+      </p:pic>
+    </p:spTree>
+    <p:extLst>
+      <p:ext uri="{BB962C8B-B14F-4D97-AF65-F5344CB8AC3E}">
+        <p14:creationId xmlns:p14="http://schemas.microsoft.com/office/powerpoint/2010/main" val="3449949183"/>
+      </p:ext>
+    </p:extLst>
+  </p:cSld>
+  <p:clrMapOvr>
+    <a:masterClrMapping/>
+  </p:clrMapOvr>
+</p:sld>
+</file>
+
+<file path=ppt/slides/slide4.xml><?xml version="1.0" encoding="utf-8"?>
 <p:sld xmlns:a="http://schemas.openxmlformats.org/drawingml/2006/main" xmlns:r="http://schemas.openxmlformats.org/officeDocument/2006/relationships" xmlns:p="http://schemas.openxmlformats.org/presentationml/2006/main">
   <p:cSld>
     <p:spTree>
@@ -10541,7 +10541,7 @@
                 <a:tabLst/>
                 <a:defRPr/>
               </a:pPr>
-              <a:t>5</a:t>
+              <a:t>4</a:t>
             </a:fld>
             <a:endParaRPr kumimoji="0" lang="en-US" sz="800" b="1" i="0" u="none" strike="noStrike" kern="1200" cap="none" spc="0" normalizeH="0" baseline="0" noProof="0">
               <a:ln>
@@ -14662,7 +14662,7 @@
 </p:sld>
 </file>
 
-<file path=ppt/slides/slide6.xml><?xml version="1.0" encoding="utf-8"?>
+<file path=ppt/slides/slide5.xml><?xml version="1.0" encoding="utf-8"?>
 <p:sld xmlns:a="http://schemas.openxmlformats.org/drawingml/2006/main" xmlns:r="http://schemas.openxmlformats.org/officeDocument/2006/relationships" xmlns:p="http://schemas.openxmlformats.org/presentationml/2006/main">
   <p:cSld>
     <p:spTree>
@@ -14856,7 +14856,7 @@
 </p:sld>
 </file>
 
-<file path=ppt/slides/slide7.xml><?xml version="1.0" encoding="utf-8"?>
+<file path=ppt/slides/slide6.xml><?xml version="1.0" encoding="utf-8"?>
 <p:sld xmlns:a="http://schemas.openxmlformats.org/drawingml/2006/main" xmlns:r="http://schemas.openxmlformats.org/officeDocument/2006/relationships" xmlns:p="http://schemas.openxmlformats.org/presentationml/2006/main">
   <p:cSld>
     <p:spTree>
@@ -15150,45 +15150,52 @@
           <p:nvPr>
             <p:extLst>
               <p:ext uri="{D42A27DB-BD31-4B8C-83A1-F6EECF244321}">
-                <p14:modId xmlns:p14="http://schemas.microsoft.com/office/powerpoint/2010/main" val="3581590219"/>
+                <p14:modId xmlns:p14="http://schemas.microsoft.com/office/powerpoint/2010/main" val="2564983367"/>
               </p:ext>
             </p:extLst>
           </p:nvPr>
         </p:nvGraphicFramePr>
         <p:xfrm>
-          <a:off x="88463" y="545465"/>
-          <a:ext cx="7689956" cy="6125172"/>
+          <a:off x="474595" y="862705"/>
+          <a:ext cx="8338861" cy="7010167"/>
         </p:xfrm>
         <a:graphic>
           <a:graphicData uri="http://schemas.openxmlformats.org/drawingml/2006/table">
             <a:tbl>
               <a:tblPr/>
               <a:tblGrid>
-                <a:gridCol w="1899711">
+                <a:gridCol w="1665677">
                   <a:extLst>
                     <a:ext uri="{9D8B030D-6E8A-4147-A177-3AD203B41FA5}">
                       <a16:colId xmlns:a16="http://schemas.microsoft.com/office/drawing/2014/main" val="3022657934"/>
                     </a:ext>
                   </a:extLst>
                 </a:gridCol>
-                <a:gridCol w="1984848">
+                <a:gridCol w="1740325">
                   <a:extLst>
                     <a:ext uri="{9D8B030D-6E8A-4147-A177-3AD203B41FA5}">
                       <a16:colId xmlns:a16="http://schemas.microsoft.com/office/drawing/2014/main" val="2167000224"/>
                     </a:ext>
                   </a:extLst>
                 </a:gridCol>
-                <a:gridCol w="1984848">
+                <a:gridCol w="1740325">
                   <a:extLst>
                     <a:ext uri="{9D8B030D-6E8A-4147-A177-3AD203B41FA5}">
                       <a16:colId xmlns:a16="http://schemas.microsoft.com/office/drawing/2014/main" val="1743196130"/>
                     </a:ext>
                   </a:extLst>
                 </a:gridCol>
-                <a:gridCol w="1820549">
+                <a:gridCol w="1596267">
                   <a:extLst>
                     <a:ext uri="{9D8B030D-6E8A-4147-A177-3AD203B41FA5}">
                       <a16:colId xmlns:a16="http://schemas.microsoft.com/office/drawing/2014/main" val="2048539193"/>
+                    </a:ext>
+                  </a:extLst>
+                </a:gridCol>
+                <a:gridCol w="1596267">
+                  <a:extLst>
+                    <a:ext uri="{9D8B030D-6E8A-4147-A177-3AD203B41FA5}">
+                      <a16:colId xmlns:a16="http://schemas.microsoft.com/office/drawing/2014/main" val="2623668167"/>
                     </a:ext>
                   </a:extLst>
                 </a:gridCol>
@@ -15393,6 +15400,67 @@
                           <a:cs typeface="Arial" panose="020B0604020202020204" pitchFamily="34" charset="0"/>
                         </a:rPr>
                         <a:t>WebDriver IO​</a:t>
+                      </a:r>
+                    </a:p>
+                  </a:txBody>
+                  <a:tcPr marL="6137" marR="6137" marT="6137" marB="0" anchor="ctr">
+                    <a:lnL w="6350" cap="flat" cmpd="sng" algn="ctr">
+                      <a:solidFill>
+                        <a:srgbClr val="000000"/>
+                      </a:solidFill>
+                      <a:prstDash val="solid"/>
+                      <a:round/>
+                      <a:headEnd type="none" w="med" len="med"/>
+                      <a:tailEnd type="none" w="med" len="med"/>
+                    </a:lnL>
+                    <a:lnR w="6350" cap="flat" cmpd="sng" algn="ctr">
+                      <a:solidFill>
+                        <a:srgbClr val="000000"/>
+                      </a:solidFill>
+                      <a:prstDash val="solid"/>
+                      <a:round/>
+                      <a:headEnd type="none" w="med" len="med"/>
+                      <a:tailEnd type="none" w="med" len="med"/>
+                    </a:lnR>
+                    <a:lnT w="6350" cap="flat" cmpd="sng" algn="ctr">
+                      <a:solidFill>
+                        <a:srgbClr val="000000"/>
+                      </a:solidFill>
+                      <a:prstDash val="solid"/>
+                      <a:round/>
+                      <a:headEnd type="none" w="med" len="med"/>
+                      <a:tailEnd type="none" w="med" len="med"/>
+                    </a:lnT>
+                    <a:lnB w="6350" cap="flat" cmpd="sng" algn="ctr">
+                      <a:solidFill>
+                        <a:srgbClr val="000000"/>
+                      </a:solidFill>
+                      <a:prstDash val="solid"/>
+                      <a:round/>
+                      <a:headEnd type="none" w="med" len="med"/>
+                      <a:tailEnd type="none" w="med" len="med"/>
+                    </a:lnB>
+                    <a:solidFill>
+                      <a:srgbClr val="3A8695"/>
+                    </a:solidFill>
+                  </a:tcPr>
+                </a:tc>
+                <a:tc>
+                  <a:txBody>
+                    <a:bodyPr/>
+                    <a:lstStyle/>
+                    <a:p>
+                      <a:pPr algn="ctr" rtl="0" fontAlgn="ctr"/>
+                      <a:r>
+                        <a:rPr lang="en-GB" sz="1400" b="1" i="0" u="none" strike="noStrike" dirty="0">
+                          <a:solidFill>
+                            <a:srgbClr val="FFFFFF"/>
+                          </a:solidFill>
+                          <a:effectLst/>
+                          <a:latin typeface="Arial" panose="020B0604020202020204" pitchFamily="34" charset="0"/>
+                          <a:cs typeface="Arial" panose="020B0604020202020204" pitchFamily="34" charset="0"/>
+                        </a:rPr>
+                        <a:t>Selenium, RestAssured, Appium</a:t>
                       </a:r>
                     </a:p>
                   </a:txBody>
@@ -15721,6 +15789,64 @@
                     </a:solidFill>
                   </a:tcPr>
                 </a:tc>
+                <a:tc>
+                  <a:txBody>
+                    <a:bodyPr/>
+                    <a:lstStyle/>
+                    <a:p>
+                      <a:pPr algn="ctr" rtl="0" fontAlgn="ctr"/>
+                      <a:endParaRPr lang="en-GB" sz="1000" b="0" i="0" u="none" strike="noStrike" dirty="0">
+                        <a:solidFill>
+                          <a:srgbClr val="000000"/>
+                        </a:solidFill>
+                        <a:effectLst/>
+                        <a:latin typeface="Arial" panose="020B0604020202020204" pitchFamily="34" charset="0"/>
+                        <a:cs typeface="Arial" panose="020B0604020202020204" pitchFamily="34" charset="0"/>
+                      </a:endParaRPr>
+                    </a:p>
+                  </a:txBody>
+                  <a:tcPr marL="6137" marR="6137" marT="6137" marB="0" anchor="ctr">
+                    <a:lnL w="6350" cap="flat" cmpd="sng" algn="ctr">
+                      <a:solidFill>
+                        <a:srgbClr val="000000"/>
+                      </a:solidFill>
+                      <a:prstDash val="solid"/>
+                      <a:round/>
+                      <a:headEnd type="none" w="med" len="med"/>
+                      <a:tailEnd type="none" w="med" len="med"/>
+                    </a:lnL>
+                    <a:lnR w="6350" cap="flat" cmpd="sng" algn="ctr">
+                      <a:solidFill>
+                        <a:srgbClr val="000000"/>
+                      </a:solidFill>
+                      <a:prstDash val="solid"/>
+                      <a:round/>
+                      <a:headEnd type="none" w="med" len="med"/>
+                      <a:tailEnd type="none" w="med" len="med"/>
+                    </a:lnR>
+                    <a:lnT w="6350" cap="flat" cmpd="sng" algn="ctr">
+                      <a:solidFill>
+                        <a:srgbClr val="000000"/>
+                      </a:solidFill>
+                      <a:prstDash val="solid"/>
+                      <a:round/>
+                      <a:headEnd type="none" w="med" len="med"/>
+                      <a:tailEnd type="none" w="med" len="med"/>
+                    </a:lnT>
+                    <a:lnB w="6350" cap="flat" cmpd="sng" algn="ctr">
+                      <a:solidFill>
+                        <a:srgbClr val="000000"/>
+                      </a:solidFill>
+                      <a:prstDash val="solid"/>
+                      <a:round/>
+                      <a:headEnd type="none" w="med" len="med"/>
+                      <a:tailEnd type="none" w="med" len="med"/>
+                    </a:lnB>
+                    <a:solidFill>
+                      <a:srgbClr val="92D050"/>
+                    </a:solidFill>
+                  </a:tcPr>
+                </a:tc>
                 <a:extLst>
                   <a:ext uri="{0D108BD9-81ED-4DB2-BD59-A6C34878D82A}">
                     <a16:rowId xmlns:a16="http://schemas.microsoft.com/office/drawing/2014/main" val="3718888505"/>
@@ -15925,6 +16051,64 @@
                         </a:rPr>
                         <a:t>Easy</a:t>
                       </a:r>
+                      <a:endParaRPr lang="en-GB" sz="1000" b="0" i="0" u="none" strike="noStrike" dirty="0">
+                        <a:solidFill>
+                          <a:srgbClr val="000000"/>
+                        </a:solidFill>
+                        <a:effectLst/>
+                        <a:latin typeface="Arial" panose="020B0604020202020204" pitchFamily="34" charset="0"/>
+                        <a:cs typeface="Arial" panose="020B0604020202020204" pitchFamily="34" charset="0"/>
+                      </a:endParaRPr>
+                    </a:p>
+                  </a:txBody>
+                  <a:tcPr marL="6137" marR="6137" marT="6137" marB="0" anchor="ctr">
+                    <a:lnL w="6350" cap="flat" cmpd="sng" algn="ctr">
+                      <a:solidFill>
+                        <a:srgbClr val="000000"/>
+                      </a:solidFill>
+                      <a:prstDash val="solid"/>
+                      <a:round/>
+                      <a:headEnd type="none" w="med" len="med"/>
+                      <a:tailEnd type="none" w="med" len="med"/>
+                    </a:lnL>
+                    <a:lnR w="6350" cap="flat" cmpd="sng" algn="ctr">
+                      <a:solidFill>
+                        <a:srgbClr val="000000"/>
+                      </a:solidFill>
+                      <a:prstDash val="solid"/>
+                      <a:round/>
+                      <a:headEnd type="none" w="med" len="med"/>
+                      <a:tailEnd type="none" w="med" len="med"/>
+                    </a:lnR>
+                    <a:lnT w="6350" cap="flat" cmpd="sng" algn="ctr">
+                      <a:solidFill>
+                        <a:srgbClr val="000000"/>
+                      </a:solidFill>
+                      <a:prstDash val="solid"/>
+                      <a:round/>
+                      <a:headEnd type="none" w="med" len="med"/>
+                      <a:tailEnd type="none" w="med" len="med"/>
+                    </a:lnT>
+                    <a:lnB w="6350" cap="flat" cmpd="sng" algn="ctr">
+                      <a:solidFill>
+                        <a:srgbClr val="000000"/>
+                      </a:solidFill>
+                      <a:prstDash val="solid"/>
+                      <a:round/>
+                      <a:headEnd type="none" w="med" len="med"/>
+                      <a:tailEnd type="none" w="med" len="med"/>
+                    </a:lnB>
+                    <a:solidFill>
+                      <a:srgbClr val="92D050"/>
+                    </a:solidFill>
+                  </a:tcPr>
+                </a:tc>
+                <a:tc>
+                  <a:txBody>
+                    <a:bodyPr/>
+                    <a:lstStyle/>
+                    <a:p>
+                      <a:pPr algn="ctr" rtl="0" fontAlgn="ctr"/>
                       <a:endParaRPr lang="en-GB" sz="1000" b="0" i="0" u="none" strike="noStrike" dirty="0">
                         <a:solidFill>
                           <a:srgbClr val="000000"/>
@@ -16244,6 +16428,64 @@
                     </a:solidFill>
                   </a:tcPr>
                 </a:tc>
+                <a:tc>
+                  <a:txBody>
+                    <a:bodyPr/>
+                    <a:lstStyle/>
+                    <a:p>
+                      <a:pPr algn="ctr" rtl="0" fontAlgn="ctr"/>
+                      <a:endParaRPr lang="en-GB" sz="1000" b="0" i="0" u="none" strike="noStrike" dirty="0">
+                        <a:solidFill>
+                          <a:srgbClr val="000000"/>
+                        </a:solidFill>
+                        <a:effectLst/>
+                        <a:latin typeface="Arial" panose="020B0604020202020204" pitchFamily="34" charset="0"/>
+                        <a:cs typeface="Arial" panose="020B0604020202020204" pitchFamily="34" charset="0"/>
+                      </a:endParaRPr>
+                    </a:p>
+                  </a:txBody>
+                  <a:tcPr marL="6137" marR="6137" marT="6137" marB="0" anchor="ctr">
+                    <a:lnL w="6350" cap="flat" cmpd="sng" algn="ctr">
+                      <a:solidFill>
+                        <a:srgbClr val="000000"/>
+                      </a:solidFill>
+                      <a:prstDash val="solid"/>
+                      <a:round/>
+                      <a:headEnd type="none" w="med" len="med"/>
+                      <a:tailEnd type="none" w="med" len="med"/>
+                    </a:lnL>
+                    <a:lnR w="6350" cap="flat" cmpd="sng" algn="ctr">
+                      <a:solidFill>
+                        <a:srgbClr val="000000"/>
+                      </a:solidFill>
+                      <a:prstDash val="solid"/>
+                      <a:round/>
+                      <a:headEnd type="none" w="med" len="med"/>
+                      <a:tailEnd type="none" w="med" len="med"/>
+                    </a:lnR>
+                    <a:lnT w="6350" cap="flat" cmpd="sng" algn="ctr">
+                      <a:solidFill>
+                        <a:srgbClr val="000000"/>
+                      </a:solidFill>
+                      <a:prstDash val="solid"/>
+                      <a:round/>
+                      <a:headEnd type="none" w="med" len="med"/>
+                      <a:tailEnd type="none" w="med" len="med"/>
+                    </a:lnT>
+                    <a:lnB w="6350" cap="flat" cmpd="sng" algn="ctr">
+                      <a:solidFill>
+                        <a:srgbClr val="000000"/>
+                      </a:solidFill>
+                      <a:prstDash val="solid"/>
+                      <a:round/>
+                      <a:headEnd type="none" w="med" len="med"/>
+                      <a:tailEnd type="none" w="med" len="med"/>
+                    </a:lnB>
+                    <a:solidFill>
+                      <a:srgbClr val="92D050"/>
+                    </a:solidFill>
+                  </a:tcPr>
+                </a:tc>
                 <a:extLst>
                   <a:ext uri="{0D108BD9-81ED-4DB2-BD59-A6C34878D82A}">
                     <a16:rowId xmlns:a16="http://schemas.microsoft.com/office/drawing/2014/main" val="1050890273"/>
@@ -16514,6 +16756,64 @@
                     </a:solidFill>
                   </a:tcPr>
                 </a:tc>
+                <a:tc>
+                  <a:txBody>
+                    <a:bodyPr/>
+                    <a:lstStyle/>
+                    <a:p>
+                      <a:pPr algn="ctr" rtl="0" fontAlgn="ctr"/>
+                      <a:endParaRPr lang="en-GB" sz="1000" b="0" i="0" u="none" strike="noStrike" dirty="0">
+                        <a:solidFill>
+                          <a:srgbClr val="000000"/>
+                        </a:solidFill>
+                        <a:effectLst/>
+                        <a:latin typeface="Arial" panose="020B0604020202020204" pitchFamily="34" charset="0"/>
+                        <a:cs typeface="Arial" panose="020B0604020202020204" pitchFamily="34" charset="0"/>
+                      </a:endParaRPr>
+                    </a:p>
+                  </a:txBody>
+                  <a:tcPr marL="6137" marR="6137" marT="6137" marB="0" anchor="ctr">
+                    <a:lnL w="6350" cap="flat" cmpd="sng" algn="ctr">
+                      <a:solidFill>
+                        <a:srgbClr val="000000"/>
+                      </a:solidFill>
+                      <a:prstDash val="solid"/>
+                      <a:round/>
+                      <a:headEnd type="none" w="med" len="med"/>
+                      <a:tailEnd type="none" w="med" len="med"/>
+                    </a:lnL>
+                    <a:lnR w="6350" cap="flat" cmpd="sng" algn="ctr">
+                      <a:solidFill>
+                        <a:srgbClr val="000000"/>
+                      </a:solidFill>
+                      <a:prstDash val="solid"/>
+                      <a:round/>
+                      <a:headEnd type="none" w="med" len="med"/>
+                      <a:tailEnd type="none" w="med" len="med"/>
+                    </a:lnR>
+                    <a:lnT w="6350" cap="flat" cmpd="sng" algn="ctr">
+                      <a:solidFill>
+                        <a:srgbClr val="000000"/>
+                      </a:solidFill>
+                      <a:prstDash val="solid"/>
+                      <a:round/>
+                      <a:headEnd type="none" w="med" len="med"/>
+                      <a:tailEnd type="none" w="med" len="med"/>
+                    </a:lnT>
+                    <a:lnB w="6350" cap="flat" cmpd="sng" algn="ctr">
+                      <a:solidFill>
+                        <a:srgbClr val="000000"/>
+                      </a:solidFill>
+                      <a:prstDash val="solid"/>
+                      <a:round/>
+                      <a:headEnd type="none" w="med" len="med"/>
+                      <a:tailEnd type="none" w="med" len="med"/>
+                    </a:lnB>
+                    <a:solidFill>
+                      <a:srgbClr val="92D050"/>
+                    </a:solidFill>
+                  </a:tcPr>
+                </a:tc>
                 <a:extLst>
                   <a:ext uri="{0D108BD9-81ED-4DB2-BD59-A6C34878D82A}">
                     <a16:rowId xmlns:a16="http://schemas.microsoft.com/office/drawing/2014/main" val="3836730342"/>
@@ -16718,6 +17018,64 @@
                         </a:rPr>
                         <a:t>Yes</a:t>
                       </a:r>
+                    </a:p>
+                  </a:txBody>
+                  <a:tcPr marL="6137" marR="6137" marT="6137" marB="0" anchor="ctr">
+                    <a:lnL w="6350" cap="flat" cmpd="sng" algn="ctr">
+                      <a:solidFill>
+                        <a:srgbClr val="000000"/>
+                      </a:solidFill>
+                      <a:prstDash val="solid"/>
+                      <a:round/>
+                      <a:headEnd type="none" w="med" len="med"/>
+                      <a:tailEnd type="none" w="med" len="med"/>
+                    </a:lnL>
+                    <a:lnR w="6350" cap="flat" cmpd="sng" algn="ctr">
+                      <a:solidFill>
+                        <a:srgbClr val="000000"/>
+                      </a:solidFill>
+                      <a:prstDash val="solid"/>
+                      <a:round/>
+                      <a:headEnd type="none" w="med" len="med"/>
+                      <a:tailEnd type="none" w="med" len="med"/>
+                    </a:lnR>
+                    <a:lnT w="6350" cap="flat" cmpd="sng" algn="ctr">
+                      <a:solidFill>
+                        <a:srgbClr val="000000"/>
+                      </a:solidFill>
+                      <a:prstDash val="solid"/>
+                      <a:round/>
+                      <a:headEnd type="none" w="med" len="med"/>
+                      <a:tailEnd type="none" w="med" len="med"/>
+                    </a:lnT>
+                    <a:lnB w="6350" cap="flat" cmpd="sng" algn="ctr">
+                      <a:solidFill>
+                        <a:srgbClr val="000000"/>
+                      </a:solidFill>
+                      <a:prstDash val="solid"/>
+                      <a:round/>
+                      <a:headEnd type="none" w="med" len="med"/>
+                      <a:tailEnd type="none" w="med" len="med"/>
+                    </a:lnB>
+                    <a:solidFill>
+                      <a:srgbClr val="92D050"/>
+                    </a:solidFill>
+                  </a:tcPr>
+                </a:tc>
+                <a:tc>
+                  <a:txBody>
+                    <a:bodyPr/>
+                    <a:lstStyle/>
+                    <a:p>
+                      <a:pPr algn="ctr" rtl="0" fontAlgn="ctr"/>
+                      <a:endParaRPr lang="en-GB" sz="1000" b="0" i="0" u="none" strike="noStrike" dirty="0">
+                        <a:solidFill>
+                          <a:srgbClr val="000000"/>
+                        </a:solidFill>
+                        <a:effectLst/>
+                        <a:latin typeface="Arial" panose="020B0604020202020204" pitchFamily="34" charset="0"/>
+                        <a:cs typeface="Arial" panose="020B0604020202020204" pitchFamily="34" charset="0"/>
+                      </a:endParaRPr>
                     </a:p>
                   </a:txBody>
                   <a:tcPr marL="6137" marR="6137" marT="6137" marB="0" anchor="ctr">
@@ -17029,6 +17387,64 @@
                     </a:solidFill>
                   </a:tcPr>
                 </a:tc>
+                <a:tc>
+                  <a:txBody>
+                    <a:bodyPr/>
+                    <a:lstStyle/>
+                    <a:p>
+                      <a:pPr algn="ctr" rtl="0" fontAlgn="ctr"/>
+                      <a:endParaRPr lang="en-GB" sz="1000" b="0" i="0" u="none" strike="noStrike" dirty="0">
+                        <a:solidFill>
+                          <a:srgbClr val="000000"/>
+                        </a:solidFill>
+                        <a:effectLst/>
+                        <a:latin typeface="Arial" panose="020B0604020202020204" pitchFamily="34" charset="0"/>
+                        <a:cs typeface="Arial" panose="020B0604020202020204" pitchFamily="34" charset="0"/>
+                      </a:endParaRPr>
+                    </a:p>
+                  </a:txBody>
+                  <a:tcPr marL="6137" marR="6137" marT="6137" marB="0" anchor="ctr">
+                    <a:lnL w="6350" cap="flat" cmpd="sng" algn="ctr">
+                      <a:solidFill>
+                        <a:srgbClr val="000000"/>
+                      </a:solidFill>
+                      <a:prstDash val="solid"/>
+                      <a:round/>
+                      <a:headEnd type="none" w="med" len="med"/>
+                      <a:tailEnd type="none" w="med" len="med"/>
+                    </a:lnL>
+                    <a:lnR w="6350" cap="flat" cmpd="sng" algn="ctr">
+                      <a:solidFill>
+                        <a:srgbClr val="000000"/>
+                      </a:solidFill>
+                      <a:prstDash val="solid"/>
+                      <a:round/>
+                      <a:headEnd type="none" w="med" len="med"/>
+                      <a:tailEnd type="none" w="med" len="med"/>
+                    </a:lnR>
+                    <a:lnT w="6350" cap="flat" cmpd="sng" algn="ctr">
+                      <a:solidFill>
+                        <a:srgbClr val="000000"/>
+                      </a:solidFill>
+                      <a:prstDash val="solid"/>
+                      <a:round/>
+                      <a:headEnd type="none" w="med" len="med"/>
+                      <a:tailEnd type="none" w="med" len="med"/>
+                    </a:lnT>
+                    <a:lnB w="6350" cap="flat" cmpd="sng" algn="ctr">
+                      <a:solidFill>
+                        <a:srgbClr val="000000"/>
+                      </a:solidFill>
+                      <a:prstDash val="solid"/>
+                      <a:round/>
+                      <a:headEnd type="none" w="med" len="med"/>
+                      <a:tailEnd type="none" w="med" len="med"/>
+                    </a:lnB>
+                    <a:solidFill>
+                      <a:srgbClr val="92D050"/>
+                    </a:solidFill>
+                  </a:tcPr>
+                </a:tc>
                 <a:extLst>
                   <a:ext uri="{0D108BD9-81ED-4DB2-BD59-A6C34878D82A}">
                     <a16:rowId xmlns:a16="http://schemas.microsoft.com/office/drawing/2014/main" val="2461949617"/>
@@ -17296,6 +17712,64 @@
                     </a:solidFill>
                   </a:tcPr>
                 </a:tc>
+                <a:tc>
+                  <a:txBody>
+                    <a:bodyPr/>
+                    <a:lstStyle/>
+                    <a:p>
+                      <a:pPr algn="ctr" rtl="0" fontAlgn="ctr"/>
+                      <a:endParaRPr lang="en-GB" sz="1000" b="0" i="0" u="none" strike="noStrike" dirty="0">
+                        <a:solidFill>
+                          <a:srgbClr val="000000"/>
+                        </a:solidFill>
+                        <a:effectLst/>
+                        <a:latin typeface="Arial" panose="020B0604020202020204" pitchFamily="34" charset="0"/>
+                        <a:cs typeface="Arial" panose="020B0604020202020204" pitchFamily="34" charset="0"/>
+                      </a:endParaRPr>
+                    </a:p>
+                  </a:txBody>
+                  <a:tcPr marL="6137" marR="6137" marT="6137" marB="0" anchor="ctr">
+                    <a:lnL w="6350" cap="flat" cmpd="sng" algn="ctr">
+                      <a:solidFill>
+                        <a:srgbClr val="000000"/>
+                      </a:solidFill>
+                      <a:prstDash val="solid"/>
+                      <a:round/>
+                      <a:headEnd type="none" w="med" len="med"/>
+                      <a:tailEnd type="none" w="med" len="med"/>
+                    </a:lnL>
+                    <a:lnR w="6350" cap="flat" cmpd="sng" algn="ctr">
+                      <a:solidFill>
+                        <a:srgbClr val="000000"/>
+                      </a:solidFill>
+                      <a:prstDash val="solid"/>
+                      <a:round/>
+                      <a:headEnd type="none" w="med" len="med"/>
+                      <a:tailEnd type="none" w="med" len="med"/>
+                    </a:lnR>
+                    <a:lnT w="6350" cap="flat" cmpd="sng" algn="ctr">
+                      <a:solidFill>
+                        <a:srgbClr val="000000"/>
+                      </a:solidFill>
+                      <a:prstDash val="solid"/>
+                      <a:round/>
+                      <a:headEnd type="none" w="med" len="med"/>
+                      <a:tailEnd type="none" w="med" len="med"/>
+                    </a:lnT>
+                    <a:lnB w="6350" cap="flat" cmpd="sng" algn="ctr">
+                      <a:solidFill>
+                        <a:srgbClr val="000000"/>
+                      </a:solidFill>
+                      <a:prstDash val="solid"/>
+                      <a:round/>
+                      <a:headEnd type="none" w="med" len="med"/>
+                      <a:tailEnd type="none" w="med" len="med"/>
+                    </a:lnB>
+                    <a:solidFill>
+                      <a:srgbClr val="92D050"/>
+                    </a:solidFill>
+                  </a:tcPr>
+                </a:tc>
                 <a:extLst>
                   <a:ext uri="{0D108BD9-81ED-4DB2-BD59-A6C34878D82A}">
                     <a16:rowId xmlns:a16="http://schemas.microsoft.com/office/drawing/2014/main" val="1876501229"/>
@@ -17545,6 +18019,61 @@
                     </a:lnB>
                   </a:tcPr>
                 </a:tc>
+                <a:tc>
+                  <a:txBody>
+                    <a:bodyPr/>
+                    <a:lstStyle/>
+                    <a:p>
+                      <a:pPr algn="ctr" rtl="0" fontAlgn="ctr"/>
+                      <a:endParaRPr lang="en-GB" sz="1000" b="0" i="0" u="none" strike="noStrike" dirty="0">
+                        <a:solidFill>
+                          <a:srgbClr val="000000"/>
+                        </a:solidFill>
+                        <a:effectLst/>
+                        <a:latin typeface="Arial" panose="020B0604020202020204" pitchFamily="34" charset="0"/>
+                        <a:cs typeface="Arial" panose="020B0604020202020204" pitchFamily="34" charset="0"/>
+                      </a:endParaRPr>
+                    </a:p>
+                  </a:txBody>
+                  <a:tcPr marL="6137" marR="6137" marT="6137" marB="0" anchor="ctr">
+                    <a:lnL w="6350" cap="flat" cmpd="sng" algn="ctr">
+                      <a:solidFill>
+                        <a:srgbClr val="000000"/>
+                      </a:solidFill>
+                      <a:prstDash val="solid"/>
+                      <a:round/>
+                      <a:headEnd type="none" w="med" len="med"/>
+                      <a:tailEnd type="none" w="med" len="med"/>
+                    </a:lnL>
+                    <a:lnR w="6350" cap="flat" cmpd="sng" algn="ctr">
+                      <a:solidFill>
+                        <a:srgbClr val="000000"/>
+                      </a:solidFill>
+                      <a:prstDash val="solid"/>
+                      <a:round/>
+                      <a:headEnd type="none" w="med" len="med"/>
+                      <a:tailEnd type="none" w="med" len="med"/>
+                    </a:lnR>
+                    <a:lnT w="6350" cap="flat" cmpd="sng" algn="ctr">
+                      <a:solidFill>
+                        <a:srgbClr val="000000"/>
+                      </a:solidFill>
+                      <a:prstDash val="solid"/>
+                      <a:round/>
+                      <a:headEnd type="none" w="med" len="med"/>
+                      <a:tailEnd type="none" w="med" len="med"/>
+                    </a:lnT>
+                    <a:lnB w="6350" cap="flat" cmpd="sng" algn="ctr">
+                      <a:solidFill>
+                        <a:srgbClr val="000000"/>
+                      </a:solidFill>
+                      <a:prstDash val="solid"/>
+                      <a:round/>
+                      <a:headEnd type="none" w="med" len="med"/>
+                      <a:tailEnd type="none" w="med" len="med"/>
+                    </a:lnB>
+                  </a:tcPr>
+                </a:tc>
                 <a:extLst>
                   <a:ext uri="{0D108BD9-81ED-4DB2-BD59-A6C34878D82A}">
                     <a16:rowId xmlns:a16="http://schemas.microsoft.com/office/drawing/2014/main" val="549042502"/>
@@ -17754,6 +18283,61 @@
                         </a:rPr>
                         <a:t>​</a:t>
                       </a:r>
+                      <a:endParaRPr lang="en-GB" sz="1000" b="0" i="0" u="none" strike="noStrike" dirty="0">
+                        <a:solidFill>
+                          <a:srgbClr val="000000"/>
+                        </a:solidFill>
+                        <a:effectLst/>
+                        <a:latin typeface="Arial" panose="020B0604020202020204" pitchFamily="34" charset="0"/>
+                        <a:cs typeface="Arial" panose="020B0604020202020204" pitchFamily="34" charset="0"/>
+                      </a:endParaRPr>
+                    </a:p>
+                  </a:txBody>
+                  <a:tcPr marL="6137" marR="6137" marT="6137" marB="0" anchor="ctr">
+                    <a:lnL w="6350" cap="flat" cmpd="sng" algn="ctr">
+                      <a:solidFill>
+                        <a:srgbClr val="000000"/>
+                      </a:solidFill>
+                      <a:prstDash val="solid"/>
+                      <a:round/>
+                      <a:headEnd type="none" w="med" len="med"/>
+                      <a:tailEnd type="none" w="med" len="med"/>
+                    </a:lnL>
+                    <a:lnR w="6350" cap="flat" cmpd="sng" algn="ctr">
+                      <a:solidFill>
+                        <a:srgbClr val="000000"/>
+                      </a:solidFill>
+                      <a:prstDash val="solid"/>
+                      <a:round/>
+                      <a:headEnd type="none" w="med" len="med"/>
+                      <a:tailEnd type="none" w="med" len="med"/>
+                    </a:lnR>
+                    <a:lnT w="6350" cap="flat" cmpd="sng" algn="ctr">
+                      <a:solidFill>
+                        <a:srgbClr val="000000"/>
+                      </a:solidFill>
+                      <a:prstDash val="solid"/>
+                      <a:round/>
+                      <a:headEnd type="none" w="med" len="med"/>
+                      <a:tailEnd type="none" w="med" len="med"/>
+                    </a:lnT>
+                    <a:lnB w="6350" cap="flat" cmpd="sng" algn="ctr">
+                      <a:solidFill>
+                        <a:srgbClr val="000000"/>
+                      </a:solidFill>
+                      <a:prstDash val="solid"/>
+                      <a:round/>
+                      <a:headEnd type="none" w="med" len="med"/>
+                      <a:tailEnd type="none" w="med" len="med"/>
+                    </a:lnB>
+                  </a:tcPr>
+                </a:tc>
+                <a:tc>
+                  <a:txBody>
+                    <a:bodyPr/>
+                    <a:lstStyle/>
+                    <a:p>
+                      <a:pPr algn="ctr" rtl="0" fontAlgn="ctr"/>
                       <a:endParaRPr lang="en-GB" sz="1000" b="0" i="0" u="none" strike="noStrike" dirty="0">
                         <a:solidFill>
                           <a:srgbClr val="000000"/>
@@ -18070,6 +18654,64 @@
                     </a:solidFill>
                   </a:tcPr>
                 </a:tc>
+                <a:tc>
+                  <a:txBody>
+                    <a:bodyPr/>
+                    <a:lstStyle/>
+                    <a:p>
+                      <a:pPr algn="ctr" rtl="0" fontAlgn="ctr"/>
+                      <a:endParaRPr lang="en-GB" sz="1000" b="0" i="0" u="none" strike="noStrike" dirty="0">
+                        <a:solidFill>
+                          <a:srgbClr val="000000"/>
+                        </a:solidFill>
+                        <a:effectLst/>
+                        <a:latin typeface="Arial" panose="020B0604020202020204" pitchFamily="34" charset="0"/>
+                        <a:cs typeface="Arial" panose="020B0604020202020204" pitchFamily="34" charset="0"/>
+                      </a:endParaRPr>
+                    </a:p>
+                  </a:txBody>
+                  <a:tcPr marL="6137" marR="6137" marT="6137" marB="0" anchor="ctr">
+                    <a:lnL w="6350" cap="flat" cmpd="sng" algn="ctr">
+                      <a:solidFill>
+                        <a:srgbClr val="000000"/>
+                      </a:solidFill>
+                      <a:prstDash val="solid"/>
+                      <a:round/>
+                      <a:headEnd type="none" w="med" len="med"/>
+                      <a:tailEnd type="none" w="med" len="med"/>
+                    </a:lnL>
+                    <a:lnR w="6350" cap="flat" cmpd="sng" algn="ctr">
+                      <a:solidFill>
+                        <a:srgbClr val="000000"/>
+                      </a:solidFill>
+                      <a:prstDash val="solid"/>
+                      <a:round/>
+                      <a:headEnd type="none" w="med" len="med"/>
+                      <a:tailEnd type="none" w="med" len="med"/>
+                    </a:lnR>
+                    <a:lnT w="6350" cap="flat" cmpd="sng" algn="ctr">
+                      <a:solidFill>
+                        <a:srgbClr val="000000"/>
+                      </a:solidFill>
+                      <a:prstDash val="solid"/>
+                      <a:round/>
+                      <a:headEnd type="none" w="med" len="med"/>
+                      <a:tailEnd type="none" w="med" len="med"/>
+                    </a:lnT>
+                    <a:lnB w="6350" cap="flat" cmpd="sng" algn="ctr">
+                      <a:solidFill>
+                        <a:srgbClr val="000000"/>
+                      </a:solidFill>
+                      <a:prstDash val="solid"/>
+                      <a:round/>
+                      <a:headEnd type="none" w="med" len="med"/>
+                      <a:tailEnd type="none" w="med" len="med"/>
+                    </a:lnB>
+                    <a:solidFill>
+                      <a:srgbClr val="92D050"/>
+                    </a:solidFill>
+                  </a:tcPr>
+                </a:tc>
                 <a:extLst>
                   <a:ext uri="{0D108BD9-81ED-4DB2-BD59-A6C34878D82A}">
                     <a16:rowId xmlns:a16="http://schemas.microsoft.com/office/drawing/2014/main" val="1234826486"/>
@@ -18353,6 +18995,64 @@
                     </a:solidFill>
                   </a:tcPr>
                 </a:tc>
+                <a:tc>
+                  <a:txBody>
+                    <a:bodyPr/>
+                    <a:lstStyle/>
+                    <a:p>
+                      <a:pPr algn="ctr" rtl="0" fontAlgn="ctr"/>
+                      <a:endParaRPr lang="en-GB" sz="1000" b="0" i="0" u="none" strike="noStrike" dirty="0">
+                        <a:solidFill>
+                          <a:srgbClr val="000000"/>
+                        </a:solidFill>
+                        <a:effectLst/>
+                        <a:latin typeface="Arial" panose="020B0604020202020204" pitchFamily="34" charset="0"/>
+                        <a:cs typeface="Arial" panose="020B0604020202020204" pitchFamily="34" charset="0"/>
+                      </a:endParaRPr>
+                    </a:p>
+                  </a:txBody>
+                  <a:tcPr marL="6137" marR="6137" marT="6137" marB="0" anchor="ctr">
+                    <a:lnL w="6350" cap="flat" cmpd="sng" algn="ctr">
+                      <a:solidFill>
+                        <a:srgbClr val="000000"/>
+                      </a:solidFill>
+                      <a:prstDash val="solid"/>
+                      <a:round/>
+                      <a:headEnd type="none" w="med" len="med"/>
+                      <a:tailEnd type="none" w="med" len="med"/>
+                    </a:lnL>
+                    <a:lnR w="6350" cap="flat" cmpd="sng" algn="ctr">
+                      <a:solidFill>
+                        <a:srgbClr val="000000"/>
+                      </a:solidFill>
+                      <a:prstDash val="solid"/>
+                      <a:round/>
+                      <a:headEnd type="none" w="med" len="med"/>
+                      <a:tailEnd type="none" w="med" len="med"/>
+                    </a:lnR>
+                    <a:lnT w="6350" cap="flat" cmpd="sng" algn="ctr">
+                      <a:solidFill>
+                        <a:srgbClr val="000000"/>
+                      </a:solidFill>
+                      <a:prstDash val="solid"/>
+                      <a:round/>
+                      <a:headEnd type="none" w="med" len="med"/>
+                      <a:tailEnd type="none" w="med" len="med"/>
+                    </a:lnT>
+                    <a:lnB w="6350" cap="flat" cmpd="sng" algn="ctr">
+                      <a:solidFill>
+                        <a:srgbClr val="000000"/>
+                      </a:solidFill>
+                      <a:prstDash val="solid"/>
+                      <a:round/>
+                      <a:headEnd type="none" w="med" len="med"/>
+                      <a:tailEnd type="none" w="med" len="med"/>
+                    </a:lnB>
+                    <a:solidFill>
+                      <a:srgbClr val="92D050"/>
+                    </a:solidFill>
+                  </a:tcPr>
+                </a:tc>
                 <a:extLst>
                   <a:ext uri="{0D108BD9-81ED-4DB2-BD59-A6C34878D82A}">
                     <a16:rowId xmlns:a16="http://schemas.microsoft.com/office/drawing/2014/main" val="1840744771"/>
@@ -18557,6 +19257,64 @@
                         </a:rPr>
                         <a:t>Allure Reporter, Cucumber Reporter , JSON, Spec, Dot Reporter and etc</a:t>
                       </a:r>
+                    </a:p>
+                  </a:txBody>
+                  <a:tcPr marL="6137" marR="6137" marT="6137" marB="0" anchor="ctr">
+                    <a:lnL w="6350" cap="flat" cmpd="sng" algn="ctr">
+                      <a:solidFill>
+                        <a:srgbClr val="000000"/>
+                      </a:solidFill>
+                      <a:prstDash val="solid"/>
+                      <a:round/>
+                      <a:headEnd type="none" w="med" len="med"/>
+                      <a:tailEnd type="none" w="med" len="med"/>
+                    </a:lnL>
+                    <a:lnR w="6350" cap="flat" cmpd="sng" algn="ctr">
+                      <a:solidFill>
+                        <a:srgbClr val="000000"/>
+                      </a:solidFill>
+                      <a:prstDash val="solid"/>
+                      <a:round/>
+                      <a:headEnd type="none" w="med" len="med"/>
+                      <a:tailEnd type="none" w="med" len="med"/>
+                    </a:lnR>
+                    <a:lnT w="6350" cap="flat" cmpd="sng" algn="ctr">
+                      <a:solidFill>
+                        <a:srgbClr val="000000"/>
+                      </a:solidFill>
+                      <a:prstDash val="solid"/>
+                      <a:round/>
+                      <a:headEnd type="none" w="med" len="med"/>
+                      <a:tailEnd type="none" w="med" len="med"/>
+                    </a:lnT>
+                    <a:lnB w="6350" cap="flat" cmpd="sng" algn="ctr">
+                      <a:solidFill>
+                        <a:srgbClr val="000000"/>
+                      </a:solidFill>
+                      <a:prstDash val="solid"/>
+                      <a:round/>
+                      <a:headEnd type="none" w="med" len="med"/>
+                      <a:tailEnd type="none" w="med" len="med"/>
+                    </a:lnB>
+                    <a:solidFill>
+                      <a:srgbClr val="92D050"/>
+                    </a:solidFill>
+                  </a:tcPr>
+                </a:tc>
+                <a:tc>
+                  <a:txBody>
+                    <a:bodyPr/>
+                    <a:lstStyle/>
+                    <a:p>
+                      <a:pPr algn="ctr" rtl="0" fontAlgn="ctr"/>
+                      <a:endParaRPr lang="en-GB" sz="1000" b="0" i="0" u="none" strike="noStrike" dirty="0">
+                        <a:solidFill>
+                          <a:srgbClr val="000000"/>
+                        </a:solidFill>
+                        <a:effectLst/>
+                        <a:latin typeface="Arial" panose="020B0604020202020204" pitchFamily="34" charset="0"/>
+                        <a:cs typeface="Arial" panose="020B0604020202020204" pitchFamily="34" charset="0"/>
+                      </a:endParaRPr>
                     </a:p>
                   </a:txBody>
                   <a:tcPr marL="6137" marR="6137" marT="6137" marB="0" anchor="ctr">
@@ -18868,6 +19626,64 @@
                     </a:solidFill>
                   </a:tcPr>
                 </a:tc>
+                <a:tc>
+                  <a:txBody>
+                    <a:bodyPr/>
+                    <a:lstStyle/>
+                    <a:p>
+                      <a:pPr algn="ctr" rtl="0" fontAlgn="ctr"/>
+                      <a:endParaRPr lang="en-GB" sz="1000" b="0" i="0" u="none" strike="noStrike" dirty="0">
+                        <a:solidFill>
+                          <a:srgbClr val="000000"/>
+                        </a:solidFill>
+                        <a:effectLst/>
+                        <a:latin typeface="Arial" panose="020B0604020202020204" pitchFamily="34" charset="0"/>
+                        <a:cs typeface="Arial" panose="020B0604020202020204" pitchFamily="34" charset="0"/>
+                      </a:endParaRPr>
+                    </a:p>
+                  </a:txBody>
+                  <a:tcPr marL="6137" marR="6137" marT="6137" marB="0" anchor="ctr">
+                    <a:lnL w="6350" cap="flat" cmpd="sng" algn="ctr">
+                      <a:solidFill>
+                        <a:srgbClr val="000000"/>
+                      </a:solidFill>
+                      <a:prstDash val="solid"/>
+                      <a:round/>
+                      <a:headEnd type="none" w="med" len="med"/>
+                      <a:tailEnd type="none" w="med" len="med"/>
+                    </a:lnL>
+                    <a:lnR w="6350" cap="flat" cmpd="sng" algn="ctr">
+                      <a:solidFill>
+                        <a:srgbClr val="000000"/>
+                      </a:solidFill>
+                      <a:prstDash val="solid"/>
+                      <a:round/>
+                      <a:headEnd type="none" w="med" len="med"/>
+                      <a:tailEnd type="none" w="med" len="med"/>
+                    </a:lnR>
+                    <a:lnT w="6350" cap="flat" cmpd="sng" algn="ctr">
+                      <a:solidFill>
+                        <a:srgbClr val="000000"/>
+                      </a:solidFill>
+                      <a:prstDash val="solid"/>
+                      <a:round/>
+                      <a:headEnd type="none" w="med" len="med"/>
+                      <a:tailEnd type="none" w="med" len="med"/>
+                    </a:lnT>
+                    <a:lnB w="6350" cap="flat" cmpd="sng" algn="ctr">
+                      <a:solidFill>
+                        <a:srgbClr val="000000"/>
+                      </a:solidFill>
+                      <a:prstDash val="solid"/>
+                      <a:round/>
+                      <a:headEnd type="none" w="med" len="med"/>
+                      <a:tailEnd type="none" w="med" len="med"/>
+                    </a:lnB>
+                    <a:solidFill>
+                      <a:srgbClr val="92D050"/>
+                    </a:solidFill>
+                  </a:tcPr>
+                </a:tc>
                 <a:extLst>
                   <a:ext uri="{0D108BD9-81ED-4DB2-BD59-A6C34878D82A}">
                     <a16:rowId xmlns:a16="http://schemas.microsoft.com/office/drawing/2014/main" val="2112986891"/>
@@ -19072,6 +19888,64 @@
                         </a:rPr>
                         <a:t>To Be Configured</a:t>
                       </a:r>
+                    </a:p>
+                  </a:txBody>
+                  <a:tcPr marL="6137" marR="6137" marT="6137" marB="0" anchor="ctr">
+                    <a:lnL w="6350" cap="flat" cmpd="sng" algn="ctr">
+                      <a:solidFill>
+                        <a:srgbClr val="000000"/>
+                      </a:solidFill>
+                      <a:prstDash val="solid"/>
+                      <a:round/>
+                      <a:headEnd type="none" w="med" len="med"/>
+                      <a:tailEnd type="none" w="med" len="med"/>
+                    </a:lnL>
+                    <a:lnR w="6350" cap="flat" cmpd="sng" algn="ctr">
+                      <a:solidFill>
+                        <a:srgbClr val="000000"/>
+                      </a:solidFill>
+                      <a:prstDash val="solid"/>
+                      <a:round/>
+                      <a:headEnd type="none" w="med" len="med"/>
+                      <a:tailEnd type="none" w="med" len="med"/>
+                    </a:lnR>
+                    <a:lnT w="6350" cap="flat" cmpd="sng" algn="ctr">
+                      <a:solidFill>
+                        <a:srgbClr val="000000"/>
+                      </a:solidFill>
+                      <a:prstDash val="solid"/>
+                      <a:round/>
+                      <a:headEnd type="none" w="med" len="med"/>
+                      <a:tailEnd type="none" w="med" len="med"/>
+                    </a:lnT>
+                    <a:lnB w="6350" cap="flat" cmpd="sng" algn="ctr">
+                      <a:solidFill>
+                        <a:srgbClr val="000000"/>
+                      </a:solidFill>
+                      <a:prstDash val="solid"/>
+                      <a:round/>
+                      <a:headEnd type="none" w="med" len="med"/>
+                      <a:tailEnd type="none" w="med" len="med"/>
+                    </a:lnB>
+                    <a:solidFill>
+                      <a:srgbClr val="FFC000"/>
+                    </a:solidFill>
+                  </a:tcPr>
+                </a:tc>
+                <a:tc>
+                  <a:txBody>
+                    <a:bodyPr/>
+                    <a:lstStyle/>
+                    <a:p>
+                      <a:pPr algn="ctr" rtl="0" fontAlgn="ctr"/>
+                      <a:endParaRPr lang="en-GB" sz="1000" b="0" i="0" u="none" strike="noStrike" dirty="0">
+                        <a:solidFill>
+                          <a:schemeClr val="tx1"/>
+                        </a:solidFill>
+                        <a:effectLst/>
+                        <a:latin typeface="Arial" panose="020B0604020202020204" pitchFamily="34" charset="0"/>
+                        <a:cs typeface="Arial" panose="020B0604020202020204" pitchFamily="34" charset="0"/>
+                      </a:endParaRPr>
                     </a:p>
                   </a:txBody>
                   <a:tcPr marL="6137" marR="6137" marT="6137" marB="0" anchor="ctr">
@@ -19379,6 +20253,64 @@
                     </a:solidFill>
                   </a:tcPr>
                 </a:tc>
+                <a:tc>
+                  <a:txBody>
+                    <a:bodyPr/>
+                    <a:lstStyle/>
+                    <a:p>
+                      <a:pPr algn="ctr" rtl="0" fontAlgn="ctr"/>
+                      <a:endParaRPr lang="en-GB" sz="1000" b="0" i="0" u="none" strike="noStrike" dirty="0">
+                        <a:solidFill>
+                          <a:srgbClr val="000000"/>
+                        </a:solidFill>
+                        <a:effectLst/>
+                        <a:latin typeface="Arial" panose="020B0604020202020204" pitchFamily="34" charset="0"/>
+                        <a:cs typeface="Arial" panose="020B0604020202020204" pitchFamily="34" charset="0"/>
+                      </a:endParaRPr>
+                    </a:p>
+                  </a:txBody>
+                  <a:tcPr marL="6137" marR="6137" marT="6137" marB="0" anchor="ctr">
+                    <a:lnL w="6350" cap="flat" cmpd="sng" algn="ctr">
+                      <a:solidFill>
+                        <a:srgbClr val="000000"/>
+                      </a:solidFill>
+                      <a:prstDash val="solid"/>
+                      <a:round/>
+                      <a:headEnd type="none" w="med" len="med"/>
+                      <a:tailEnd type="none" w="med" len="med"/>
+                    </a:lnL>
+                    <a:lnR w="6350" cap="flat" cmpd="sng" algn="ctr">
+                      <a:solidFill>
+                        <a:srgbClr val="000000"/>
+                      </a:solidFill>
+                      <a:prstDash val="solid"/>
+                      <a:round/>
+                      <a:headEnd type="none" w="med" len="med"/>
+                      <a:tailEnd type="none" w="med" len="med"/>
+                    </a:lnR>
+                    <a:lnT w="6350" cap="flat" cmpd="sng" algn="ctr">
+                      <a:solidFill>
+                        <a:srgbClr val="000000"/>
+                      </a:solidFill>
+                      <a:prstDash val="solid"/>
+                      <a:round/>
+                      <a:headEnd type="none" w="med" len="med"/>
+                      <a:tailEnd type="none" w="med" len="med"/>
+                    </a:lnT>
+                    <a:lnB w="6350" cap="flat" cmpd="sng" algn="ctr">
+                      <a:solidFill>
+                        <a:srgbClr val="000000"/>
+                      </a:solidFill>
+                      <a:prstDash val="solid"/>
+                      <a:round/>
+                      <a:headEnd type="none" w="med" len="med"/>
+                      <a:tailEnd type="none" w="med" len="med"/>
+                    </a:lnB>
+                    <a:solidFill>
+                      <a:srgbClr val="92D050"/>
+                    </a:solidFill>
+                  </a:tcPr>
+                </a:tc>
                 <a:extLst>
                   <a:ext uri="{0D108BD9-81ED-4DB2-BD59-A6C34878D82A}">
                     <a16:rowId xmlns:a16="http://schemas.microsoft.com/office/drawing/2014/main" val="4108068207"/>
@@ -19584,6 +20516,64 @@
                         </a:rPr>
                         <a:t>Yes</a:t>
                       </a:r>
+                    </a:p>
+                  </a:txBody>
+                  <a:tcPr marL="6137" marR="6137" marT="6137" marB="0" anchor="ctr">
+                    <a:lnL w="6350" cap="flat" cmpd="sng" algn="ctr">
+                      <a:solidFill>
+                        <a:srgbClr val="000000"/>
+                      </a:solidFill>
+                      <a:prstDash val="solid"/>
+                      <a:round/>
+                      <a:headEnd type="none" w="med" len="med"/>
+                      <a:tailEnd type="none" w="med" len="med"/>
+                    </a:lnL>
+                    <a:lnR w="6350" cap="flat" cmpd="sng" algn="ctr">
+                      <a:solidFill>
+                        <a:srgbClr val="000000"/>
+                      </a:solidFill>
+                      <a:prstDash val="solid"/>
+                      <a:round/>
+                      <a:headEnd type="none" w="med" len="med"/>
+                      <a:tailEnd type="none" w="med" len="med"/>
+                    </a:lnR>
+                    <a:lnT w="6350" cap="flat" cmpd="sng" algn="ctr">
+                      <a:solidFill>
+                        <a:srgbClr val="000000"/>
+                      </a:solidFill>
+                      <a:prstDash val="solid"/>
+                      <a:round/>
+                      <a:headEnd type="none" w="med" len="med"/>
+                      <a:tailEnd type="none" w="med" len="med"/>
+                    </a:lnT>
+                    <a:lnB w="6350" cap="flat" cmpd="sng" algn="ctr">
+                      <a:solidFill>
+                        <a:srgbClr val="000000"/>
+                      </a:solidFill>
+                      <a:prstDash val="solid"/>
+                      <a:round/>
+                      <a:headEnd type="none" w="med" len="med"/>
+                      <a:tailEnd type="none" w="med" len="med"/>
+                    </a:lnB>
+                    <a:solidFill>
+                      <a:srgbClr val="92D050"/>
+                    </a:solidFill>
+                  </a:tcPr>
+                </a:tc>
+                <a:tc>
+                  <a:txBody>
+                    <a:bodyPr/>
+                    <a:lstStyle/>
+                    <a:p>
+                      <a:pPr algn="ctr" rtl="0" fontAlgn="ctr"/>
+                      <a:endParaRPr lang="en-GB" sz="1000" b="0" i="0" u="none" strike="noStrike" dirty="0">
+                        <a:solidFill>
+                          <a:srgbClr val="000000"/>
+                        </a:solidFill>
+                        <a:effectLst/>
+                        <a:latin typeface="Arial" panose="020B0604020202020204" pitchFamily="34" charset="0"/>
+                        <a:cs typeface="Arial" panose="020B0604020202020204" pitchFamily="34" charset="0"/>
+                      </a:endParaRPr>
                     </a:p>
                   </a:txBody>
                   <a:tcPr marL="6137" marR="6137" marT="6137" marB="0" anchor="ctr">
@@ -19888,9 +20878,666 @@
                     </a:solidFill>
                   </a:tcPr>
                 </a:tc>
+                <a:tc>
+                  <a:txBody>
+                    <a:bodyPr/>
+                    <a:lstStyle/>
+                    <a:p>
+                      <a:pPr algn="ctr" rtl="0" fontAlgn="ctr"/>
+                      <a:endParaRPr lang="en-GB" sz="1000" b="0" i="0" u="none" strike="noStrike" dirty="0">
+                        <a:solidFill>
+                          <a:srgbClr val="000000"/>
+                        </a:solidFill>
+                        <a:effectLst/>
+                        <a:latin typeface="Arial" panose="020B0604020202020204" pitchFamily="34" charset="0"/>
+                        <a:cs typeface="Arial" panose="020B0604020202020204" pitchFamily="34" charset="0"/>
+                      </a:endParaRPr>
+                    </a:p>
+                  </a:txBody>
+                  <a:tcPr marL="6137" marR="6137" marT="6137" marB="0" anchor="ctr">
+                    <a:lnL w="6350" cap="flat" cmpd="sng" algn="ctr">
+                      <a:solidFill>
+                        <a:srgbClr val="000000"/>
+                      </a:solidFill>
+                      <a:prstDash val="solid"/>
+                      <a:round/>
+                      <a:headEnd type="none" w="med" len="med"/>
+                      <a:tailEnd type="none" w="med" len="med"/>
+                    </a:lnL>
+                    <a:lnR w="6350" cap="flat" cmpd="sng" algn="ctr">
+                      <a:solidFill>
+                        <a:srgbClr val="000000"/>
+                      </a:solidFill>
+                      <a:prstDash val="solid"/>
+                      <a:round/>
+                      <a:headEnd type="none" w="med" len="med"/>
+                      <a:tailEnd type="none" w="med" len="med"/>
+                    </a:lnR>
+                    <a:lnT w="6350" cap="flat" cmpd="sng" algn="ctr">
+                      <a:solidFill>
+                        <a:srgbClr val="000000"/>
+                      </a:solidFill>
+                      <a:prstDash val="solid"/>
+                      <a:round/>
+                      <a:headEnd type="none" w="med" len="med"/>
+                      <a:tailEnd type="none" w="med" len="med"/>
+                    </a:lnT>
+                    <a:lnB w="6350" cap="flat" cmpd="sng" algn="ctr">
+                      <a:solidFill>
+                        <a:srgbClr val="000000"/>
+                      </a:solidFill>
+                      <a:prstDash val="solid"/>
+                      <a:round/>
+                      <a:headEnd type="none" w="med" len="med"/>
+                      <a:tailEnd type="none" w="med" len="med"/>
+                    </a:lnB>
+                    <a:solidFill>
+                      <a:srgbClr val="92D050"/>
+                    </a:solidFill>
+                  </a:tcPr>
+                </a:tc>
                 <a:extLst>
                   <a:ext uri="{0D108BD9-81ED-4DB2-BD59-A6C34878D82A}">
                     <a16:rowId xmlns:a16="http://schemas.microsoft.com/office/drawing/2014/main" val="2891474072"/>
+                  </a:ext>
+                </a:extLst>
+              </a:tr>
+              <a:tr h="268665">
+                <a:tc>
+                  <a:txBody>
+                    <a:bodyPr/>
+                    <a:lstStyle/>
+                    <a:p>
+                      <a:pPr algn="l" rtl="0" fontAlgn="ctr"/>
+                      <a:r>
+                        <a:rPr lang="en-GB" sz="1000" b="1" i="0" u="none" strike="noStrike" dirty="0">
+                          <a:solidFill>
+                            <a:schemeClr val="tx1"/>
+                          </a:solidFill>
+                          <a:effectLst/>
+                          <a:latin typeface="Arial" panose="020B0604020202020204" pitchFamily="34" charset="0"/>
+                          <a:cs typeface="Arial" panose="020B0604020202020204" pitchFamily="34" charset="0"/>
+                        </a:rPr>
+                        <a:t>Requires a Proxy</a:t>
+                      </a:r>
+                    </a:p>
+                  </a:txBody>
+                  <a:tcPr marL="6137" marR="6137" marT="6137" marB="0" anchor="ctr">
+                    <a:lnL w="6350" cap="flat" cmpd="sng" algn="ctr">
+                      <a:solidFill>
+                        <a:srgbClr val="000000"/>
+                      </a:solidFill>
+                      <a:prstDash val="solid"/>
+                      <a:round/>
+                      <a:headEnd type="none" w="med" len="med"/>
+                      <a:tailEnd type="none" w="med" len="med"/>
+                    </a:lnL>
+                    <a:lnR w="6350" cap="flat" cmpd="sng" algn="ctr">
+                      <a:solidFill>
+                        <a:srgbClr val="000000"/>
+                      </a:solidFill>
+                      <a:prstDash val="solid"/>
+                      <a:round/>
+                      <a:headEnd type="none" w="med" len="med"/>
+                      <a:tailEnd type="none" w="med" len="med"/>
+                    </a:lnR>
+                    <a:lnT w="6350" cap="flat" cmpd="sng" algn="ctr">
+                      <a:solidFill>
+                        <a:srgbClr val="000000"/>
+                      </a:solidFill>
+                      <a:prstDash val="solid"/>
+                      <a:round/>
+                      <a:headEnd type="none" w="med" len="med"/>
+                      <a:tailEnd type="none" w="med" len="med"/>
+                    </a:lnT>
+                    <a:lnB w="6350" cap="flat" cmpd="sng" algn="ctr">
+                      <a:solidFill>
+                        <a:srgbClr val="000000"/>
+                      </a:solidFill>
+                      <a:prstDash val="solid"/>
+                      <a:round/>
+                      <a:headEnd type="none" w="med" len="med"/>
+                      <a:tailEnd type="none" w="med" len="med"/>
+                    </a:lnB>
+                    <a:solidFill>
+                      <a:srgbClr val="DDEEF2"/>
+                    </a:solidFill>
+                  </a:tcPr>
+                </a:tc>
+                <a:tc>
+                  <a:txBody>
+                    <a:bodyPr/>
+                    <a:lstStyle/>
+                    <a:p>
+                      <a:pPr algn="ctr" rtl="0" fontAlgn="ctr"/>
+                      <a:endParaRPr lang="en-GB" sz="1000" b="0" i="0" u="none" strike="noStrike" kern="1200" dirty="0">
+                        <a:solidFill>
+                          <a:schemeClr val="tx1"/>
+                        </a:solidFill>
+                        <a:effectLst/>
+                        <a:latin typeface="Arial" panose="020B0604020202020204" pitchFamily="34" charset="0"/>
+                        <a:ea typeface="+mn-ea"/>
+                        <a:cs typeface="Arial" panose="020B0604020202020204" pitchFamily="34" charset="0"/>
+                      </a:endParaRPr>
+                    </a:p>
+                  </a:txBody>
+                  <a:tcPr marL="6137" marR="6137" marT="6137" marB="0" anchor="ctr">
+                    <a:lnL w="6350" cap="flat" cmpd="sng" algn="ctr">
+                      <a:solidFill>
+                        <a:srgbClr val="000000"/>
+                      </a:solidFill>
+                      <a:prstDash val="solid"/>
+                      <a:round/>
+                      <a:headEnd type="none" w="med" len="med"/>
+                      <a:tailEnd type="none" w="med" len="med"/>
+                    </a:lnL>
+                    <a:lnR w="6350" cap="flat" cmpd="sng" algn="ctr">
+                      <a:solidFill>
+                        <a:srgbClr val="000000"/>
+                      </a:solidFill>
+                      <a:prstDash val="solid"/>
+                      <a:round/>
+                      <a:headEnd type="none" w="med" len="med"/>
+                      <a:tailEnd type="none" w="med" len="med"/>
+                    </a:lnR>
+                    <a:lnT w="6350" cap="flat" cmpd="sng" algn="ctr">
+                      <a:solidFill>
+                        <a:srgbClr val="000000"/>
+                      </a:solidFill>
+                      <a:prstDash val="solid"/>
+                      <a:round/>
+                      <a:headEnd type="none" w="med" len="med"/>
+                      <a:tailEnd type="none" w="med" len="med"/>
+                    </a:lnT>
+                    <a:lnB w="6350" cap="flat" cmpd="sng" algn="ctr">
+                      <a:solidFill>
+                        <a:srgbClr val="000000"/>
+                      </a:solidFill>
+                      <a:prstDash val="solid"/>
+                      <a:round/>
+                      <a:headEnd type="none" w="med" len="med"/>
+                      <a:tailEnd type="none" w="med" len="med"/>
+                    </a:lnB>
+                    <a:solidFill>
+                      <a:srgbClr val="FFC000"/>
+                    </a:solidFill>
+                  </a:tcPr>
+                </a:tc>
+                <a:tc>
+                  <a:txBody>
+                    <a:bodyPr/>
+                    <a:lstStyle/>
+                    <a:p>
+                      <a:pPr algn="ctr" rtl="0" fontAlgn="ctr"/>
+                      <a:endParaRPr lang="en-GB" sz="1000" b="0" i="0" u="none" strike="noStrike" dirty="0">
+                        <a:solidFill>
+                          <a:schemeClr val="tx1"/>
+                        </a:solidFill>
+                        <a:effectLst/>
+                        <a:latin typeface="Arial" panose="020B0604020202020204" pitchFamily="34" charset="0"/>
+                        <a:cs typeface="Arial" panose="020B0604020202020204" pitchFamily="34" charset="0"/>
+                      </a:endParaRPr>
+                    </a:p>
+                  </a:txBody>
+                  <a:tcPr marL="6137" marR="6137" marT="6137" marB="0" anchor="ctr">
+                    <a:lnL w="6350" cap="flat" cmpd="sng" algn="ctr">
+                      <a:solidFill>
+                        <a:srgbClr val="000000"/>
+                      </a:solidFill>
+                      <a:prstDash val="solid"/>
+                      <a:round/>
+                      <a:headEnd type="none" w="med" len="med"/>
+                      <a:tailEnd type="none" w="med" len="med"/>
+                    </a:lnL>
+                    <a:lnR w="6350" cap="flat" cmpd="sng" algn="ctr">
+                      <a:solidFill>
+                        <a:srgbClr val="000000"/>
+                      </a:solidFill>
+                      <a:prstDash val="solid"/>
+                      <a:round/>
+                      <a:headEnd type="none" w="med" len="med"/>
+                      <a:tailEnd type="none" w="med" len="med"/>
+                    </a:lnR>
+                    <a:lnT w="6350" cap="flat" cmpd="sng" algn="ctr">
+                      <a:solidFill>
+                        <a:srgbClr val="000000"/>
+                      </a:solidFill>
+                      <a:prstDash val="solid"/>
+                      <a:round/>
+                      <a:headEnd type="none" w="med" len="med"/>
+                      <a:tailEnd type="none" w="med" len="med"/>
+                    </a:lnT>
+                    <a:lnB w="6350" cap="flat" cmpd="sng" algn="ctr">
+                      <a:solidFill>
+                        <a:srgbClr val="000000"/>
+                      </a:solidFill>
+                      <a:prstDash val="solid"/>
+                      <a:round/>
+                      <a:headEnd type="none" w="med" len="med"/>
+                      <a:tailEnd type="none" w="med" len="med"/>
+                    </a:lnB>
+                    <a:solidFill>
+                      <a:srgbClr val="92D050"/>
+                    </a:solidFill>
+                  </a:tcPr>
+                </a:tc>
+                <a:tc>
+                  <a:txBody>
+                    <a:bodyPr/>
+                    <a:lstStyle/>
+                    <a:p>
+                      <a:pPr algn="ctr" rtl="0" fontAlgn="ctr"/>
+                      <a:endParaRPr lang="en-GB" sz="1000" b="0" i="0" u="none" strike="noStrike" dirty="0">
+                        <a:solidFill>
+                          <a:srgbClr val="000000"/>
+                        </a:solidFill>
+                        <a:effectLst/>
+                        <a:latin typeface="Arial" panose="020B0604020202020204" pitchFamily="34" charset="0"/>
+                        <a:cs typeface="Arial" panose="020B0604020202020204" pitchFamily="34" charset="0"/>
+                      </a:endParaRPr>
+                    </a:p>
+                  </a:txBody>
+                  <a:tcPr marL="6137" marR="6137" marT="6137" marB="0" anchor="ctr">
+                    <a:lnL w="6350" cap="flat" cmpd="sng" algn="ctr">
+                      <a:solidFill>
+                        <a:srgbClr val="000000"/>
+                      </a:solidFill>
+                      <a:prstDash val="solid"/>
+                      <a:round/>
+                      <a:headEnd type="none" w="med" len="med"/>
+                      <a:tailEnd type="none" w="med" len="med"/>
+                    </a:lnL>
+                    <a:lnR w="6350" cap="flat" cmpd="sng" algn="ctr">
+                      <a:solidFill>
+                        <a:srgbClr val="000000"/>
+                      </a:solidFill>
+                      <a:prstDash val="solid"/>
+                      <a:round/>
+                      <a:headEnd type="none" w="med" len="med"/>
+                      <a:tailEnd type="none" w="med" len="med"/>
+                    </a:lnR>
+                    <a:lnT w="6350" cap="flat" cmpd="sng" algn="ctr">
+                      <a:solidFill>
+                        <a:srgbClr val="000000"/>
+                      </a:solidFill>
+                      <a:prstDash val="solid"/>
+                      <a:round/>
+                      <a:headEnd type="none" w="med" len="med"/>
+                      <a:tailEnd type="none" w="med" len="med"/>
+                    </a:lnT>
+                    <a:lnB w="6350" cap="flat" cmpd="sng" algn="ctr">
+                      <a:solidFill>
+                        <a:srgbClr val="000000"/>
+                      </a:solidFill>
+                      <a:prstDash val="solid"/>
+                      <a:round/>
+                      <a:headEnd type="none" w="med" len="med"/>
+                      <a:tailEnd type="none" w="med" len="med"/>
+                    </a:lnB>
+                    <a:solidFill>
+                      <a:srgbClr val="92D050"/>
+                    </a:solidFill>
+                  </a:tcPr>
+                </a:tc>
+                <a:tc>
+                  <a:txBody>
+                    <a:bodyPr/>
+                    <a:lstStyle/>
+                    <a:p>
+                      <a:pPr algn="ctr" rtl="0" fontAlgn="ctr"/>
+                      <a:endParaRPr lang="en-GB" sz="1000" b="0" i="0" u="none" strike="noStrike" dirty="0">
+                        <a:solidFill>
+                          <a:srgbClr val="000000"/>
+                        </a:solidFill>
+                        <a:effectLst/>
+                        <a:latin typeface="Arial" panose="020B0604020202020204" pitchFamily="34" charset="0"/>
+                        <a:cs typeface="Arial" panose="020B0604020202020204" pitchFamily="34" charset="0"/>
+                      </a:endParaRPr>
+                    </a:p>
+                  </a:txBody>
+                  <a:tcPr marL="6137" marR="6137" marT="6137" marB="0" anchor="ctr">
+                    <a:lnL w="6350" cap="flat" cmpd="sng" algn="ctr">
+                      <a:solidFill>
+                        <a:srgbClr val="000000"/>
+                      </a:solidFill>
+                      <a:prstDash val="solid"/>
+                      <a:round/>
+                      <a:headEnd type="none" w="med" len="med"/>
+                      <a:tailEnd type="none" w="med" len="med"/>
+                    </a:lnL>
+                    <a:lnR w="6350" cap="flat" cmpd="sng" algn="ctr">
+                      <a:solidFill>
+                        <a:srgbClr val="000000"/>
+                      </a:solidFill>
+                      <a:prstDash val="solid"/>
+                      <a:round/>
+                      <a:headEnd type="none" w="med" len="med"/>
+                      <a:tailEnd type="none" w="med" len="med"/>
+                    </a:lnR>
+                    <a:lnT w="6350" cap="flat" cmpd="sng" algn="ctr">
+                      <a:solidFill>
+                        <a:srgbClr val="000000"/>
+                      </a:solidFill>
+                      <a:prstDash val="solid"/>
+                      <a:round/>
+                      <a:headEnd type="none" w="med" len="med"/>
+                      <a:tailEnd type="none" w="med" len="med"/>
+                    </a:lnT>
+                    <a:lnB w="6350" cap="flat" cmpd="sng" algn="ctr">
+                      <a:solidFill>
+                        <a:srgbClr val="000000"/>
+                      </a:solidFill>
+                      <a:prstDash val="solid"/>
+                      <a:round/>
+                      <a:headEnd type="none" w="med" len="med"/>
+                      <a:tailEnd type="none" w="med" len="med"/>
+                    </a:lnB>
+                    <a:solidFill>
+                      <a:srgbClr val="92D050"/>
+                    </a:solidFill>
+                  </a:tcPr>
+                </a:tc>
+                <a:extLst>
+                  <a:ext uri="{0D108BD9-81ED-4DB2-BD59-A6C34878D82A}">
+                    <a16:rowId xmlns:a16="http://schemas.microsoft.com/office/drawing/2014/main" val="268923475"/>
+                  </a:ext>
+                </a:extLst>
+              </a:tr>
+              <a:tr h="268665">
+                <a:tc>
+                  <a:txBody>
+                    <a:bodyPr/>
+                    <a:lstStyle/>
+                    <a:p>
+                      <a:pPr algn="l" rtl="0" fontAlgn="ctr"/>
+                      <a:endParaRPr lang="en-GB" sz="1000" b="1" i="0" u="none" strike="noStrike" dirty="0">
+                        <a:solidFill>
+                          <a:schemeClr val="tx1"/>
+                        </a:solidFill>
+                        <a:effectLst/>
+                        <a:latin typeface="Arial" panose="020B0604020202020204" pitchFamily="34" charset="0"/>
+                        <a:cs typeface="Arial" panose="020B0604020202020204" pitchFamily="34" charset="0"/>
+                      </a:endParaRPr>
+                    </a:p>
+                  </a:txBody>
+                  <a:tcPr marL="6137" marR="6137" marT="6137" marB="0" anchor="ctr">
+                    <a:lnL w="6350" cap="flat" cmpd="sng" algn="ctr">
+                      <a:solidFill>
+                        <a:srgbClr val="000000"/>
+                      </a:solidFill>
+                      <a:prstDash val="solid"/>
+                      <a:round/>
+                      <a:headEnd type="none" w="med" len="med"/>
+                      <a:tailEnd type="none" w="med" len="med"/>
+                    </a:lnL>
+                    <a:lnR w="6350" cap="flat" cmpd="sng" algn="ctr">
+                      <a:solidFill>
+                        <a:srgbClr val="000000"/>
+                      </a:solidFill>
+                      <a:prstDash val="solid"/>
+                      <a:round/>
+                      <a:headEnd type="none" w="med" len="med"/>
+                      <a:tailEnd type="none" w="med" len="med"/>
+                    </a:lnR>
+                    <a:lnT w="6350" cap="flat" cmpd="sng" algn="ctr">
+                      <a:solidFill>
+                        <a:srgbClr val="000000"/>
+                      </a:solidFill>
+                      <a:prstDash val="solid"/>
+                      <a:round/>
+                      <a:headEnd type="none" w="med" len="med"/>
+                      <a:tailEnd type="none" w="med" len="med"/>
+                    </a:lnT>
+                    <a:lnB w="6350" cap="flat" cmpd="sng" algn="ctr">
+                      <a:solidFill>
+                        <a:srgbClr val="000000"/>
+                      </a:solidFill>
+                      <a:prstDash val="solid"/>
+                      <a:round/>
+                      <a:headEnd type="none" w="med" len="med"/>
+                      <a:tailEnd type="none" w="med" len="med"/>
+                    </a:lnB>
+                    <a:solidFill>
+                      <a:srgbClr val="DDEEF2"/>
+                    </a:solidFill>
+                  </a:tcPr>
+                </a:tc>
+                <a:tc>
+                  <a:txBody>
+                    <a:bodyPr/>
+                    <a:lstStyle/>
+                    <a:p>
+                      <a:pPr algn="ctr" rtl="0" fontAlgn="ctr"/>
+                      <a:endParaRPr lang="en-GB" sz="1000" b="0" i="0" u="none" strike="noStrike" kern="1200" dirty="0">
+                        <a:solidFill>
+                          <a:schemeClr val="tx1"/>
+                        </a:solidFill>
+                        <a:effectLst/>
+                        <a:latin typeface="Arial" panose="020B0604020202020204" pitchFamily="34" charset="0"/>
+                        <a:ea typeface="+mn-ea"/>
+                        <a:cs typeface="Arial" panose="020B0604020202020204" pitchFamily="34" charset="0"/>
+                      </a:endParaRPr>
+                    </a:p>
+                  </a:txBody>
+                  <a:tcPr marL="6137" marR="6137" marT="6137" marB="0" anchor="ctr">
+                    <a:lnL w="6350" cap="flat" cmpd="sng" algn="ctr">
+                      <a:solidFill>
+                        <a:srgbClr val="000000"/>
+                      </a:solidFill>
+                      <a:prstDash val="solid"/>
+                      <a:round/>
+                      <a:headEnd type="none" w="med" len="med"/>
+                      <a:tailEnd type="none" w="med" len="med"/>
+                    </a:lnL>
+                    <a:lnR w="6350" cap="flat" cmpd="sng" algn="ctr">
+                      <a:solidFill>
+                        <a:srgbClr val="000000"/>
+                      </a:solidFill>
+                      <a:prstDash val="solid"/>
+                      <a:round/>
+                      <a:headEnd type="none" w="med" len="med"/>
+                      <a:tailEnd type="none" w="med" len="med"/>
+                    </a:lnR>
+                    <a:lnT w="6350" cap="flat" cmpd="sng" algn="ctr">
+                      <a:solidFill>
+                        <a:srgbClr val="000000"/>
+                      </a:solidFill>
+                      <a:prstDash val="solid"/>
+                      <a:round/>
+                      <a:headEnd type="none" w="med" len="med"/>
+                      <a:tailEnd type="none" w="med" len="med"/>
+                    </a:lnT>
+                    <a:lnB w="6350" cap="flat" cmpd="sng" algn="ctr">
+                      <a:solidFill>
+                        <a:srgbClr val="000000"/>
+                      </a:solidFill>
+                      <a:prstDash val="solid"/>
+                      <a:round/>
+                      <a:headEnd type="none" w="med" len="med"/>
+                      <a:tailEnd type="none" w="med" len="med"/>
+                    </a:lnB>
+                    <a:solidFill>
+                      <a:srgbClr val="FFC000"/>
+                    </a:solidFill>
+                  </a:tcPr>
+                </a:tc>
+                <a:tc>
+                  <a:txBody>
+                    <a:bodyPr/>
+                    <a:lstStyle/>
+                    <a:p>
+                      <a:pPr algn="ctr" rtl="0" fontAlgn="ctr"/>
+                      <a:endParaRPr lang="en-GB" sz="1000" b="0" i="0" u="none" strike="noStrike" dirty="0">
+                        <a:solidFill>
+                          <a:schemeClr val="tx1"/>
+                        </a:solidFill>
+                        <a:effectLst/>
+                        <a:latin typeface="Arial" panose="020B0604020202020204" pitchFamily="34" charset="0"/>
+                        <a:cs typeface="Arial" panose="020B0604020202020204" pitchFamily="34" charset="0"/>
+                      </a:endParaRPr>
+                    </a:p>
+                  </a:txBody>
+                  <a:tcPr marL="6137" marR="6137" marT="6137" marB="0" anchor="ctr">
+                    <a:lnL w="6350" cap="flat" cmpd="sng" algn="ctr">
+                      <a:solidFill>
+                        <a:srgbClr val="000000"/>
+                      </a:solidFill>
+                      <a:prstDash val="solid"/>
+                      <a:round/>
+                      <a:headEnd type="none" w="med" len="med"/>
+                      <a:tailEnd type="none" w="med" len="med"/>
+                    </a:lnL>
+                    <a:lnR w="6350" cap="flat" cmpd="sng" algn="ctr">
+                      <a:solidFill>
+                        <a:srgbClr val="000000"/>
+                      </a:solidFill>
+                      <a:prstDash val="solid"/>
+                      <a:round/>
+                      <a:headEnd type="none" w="med" len="med"/>
+                      <a:tailEnd type="none" w="med" len="med"/>
+                    </a:lnR>
+                    <a:lnT w="6350" cap="flat" cmpd="sng" algn="ctr">
+                      <a:solidFill>
+                        <a:srgbClr val="000000"/>
+                      </a:solidFill>
+                      <a:prstDash val="solid"/>
+                      <a:round/>
+                      <a:headEnd type="none" w="med" len="med"/>
+                      <a:tailEnd type="none" w="med" len="med"/>
+                    </a:lnT>
+                    <a:lnB w="6350" cap="flat" cmpd="sng" algn="ctr">
+                      <a:solidFill>
+                        <a:srgbClr val="000000"/>
+                      </a:solidFill>
+                      <a:prstDash val="solid"/>
+                      <a:round/>
+                      <a:headEnd type="none" w="med" len="med"/>
+                      <a:tailEnd type="none" w="med" len="med"/>
+                    </a:lnB>
+                    <a:solidFill>
+                      <a:srgbClr val="92D050"/>
+                    </a:solidFill>
+                  </a:tcPr>
+                </a:tc>
+                <a:tc>
+                  <a:txBody>
+                    <a:bodyPr/>
+                    <a:lstStyle/>
+                    <a:p>
+                      <a:pPr algn="ctr" rtl="0" fontAlgn="ctr"/>
+                      <a:endParaRPr lang="en-GB" sz="1000" b="0" i="0" u="none" strike="noStrike" dirty="0">
+                        <a:solidFill>
+                          <a:srgbClr val="000000"/>
+                        </a:solidFill>
+                        <a:effectLst/>
+                        <a:latin typeface="Arial" panose="020B0604020202020204" pitchFamily="34" charset="0"/>
+                        <a:cs typeface="Arial" panose="020B0604020202020204" pitchFamily="34" charset="0"/>
+                      </a:endParaRPr>
+                    </a:p>
+                  </a:txBody>
+                  <a:tcPr marL="6137" marR="6137" marT="6137" marB="0" anchor="ctr">
+                    <a:lnL w="6350" cap="flat" cmpd="sng" algn="ctr">
+                      <a:solidFill>
+                        <a:srgbClr val="000000"/>
+                      </a:solidFill>
+                      <a:prstDash val="solid"/>
+                      <a:round/>
+                      <a:headEnd type="none" w="med" len="med"/>
+                      <a:tailEnd type="none" w="med" len="med"/>
+                    </a:lnL>
+                    <a:lnR w="6350" cap="flat" cmpd="sng" algn="ctr">
+                      <a:solidFill>
+                        <a:srgbClr val="000000"/>
+                      </a:solidFill>
+                      <a:prstDash val="solid"/>
+                      <a:round/>
+                      <a:headEnd type="none" w="med" len="med"/>
+                      <a:tailEnd type="none" w="med" len="med"/>
+                    </a:lnR>
+                    <a:lnT w="6350" cap="flat" cmpd="sng" algn="ctr">
+                      <a:solidFill>
+                        <a:srgbClr val="000000"/>
+                      </a:solidFill>
+                      <a:prstDash val="solid"/>
+                      <a:round/>
+                      <a:headEnd type="none" w="med" len="med"/>
+                      <a:tailEnd type="none" w="med" len="med"/>
+                    </a:lnT>
+                    <a:lnB w="6350" cap="flat" cmpd="sng" algn="ctr">
+                      <a:solidFill>
+                        <a:srgbClr val="000000"/>
+                      </a:solidFill>
+                      <a:prstDash val="solid"/>
+                      <a:round/>
+                      <a:headEnd type="none" w="med" len="med"/>
+                      <a:tailEnd type="none" w="med" len="med"/>
+                    </a:lnB>
+                    <a:solidFill>
+                      <a:srgbClr val="92D050"/>
+                    </a:solidFill>
+                  </a:tcPr>
+                </a:tc>
+                <a:tc>
+                  <a:txBody>
+                    <a:bodyPr/>
+                    <a:lstStyle/>
+                    <a:p>
+                      <a:pPr algn="ctr" rtl="0" fontAlgn="ctr"/>
+                      <a:endParaRPr lang="en-GB" sz="1000" b="0" i="0" u="none" strike="noStrike" dirty="0">
+                        <a:solidFill>
+                          <a:srgbClr val="000000"/>
+                        </a:solidFill>
+                        <a:effectLst/>
+                        <a:latin typeface="Arial" panose="020B0604020202020204" pitchFamily="34" charset="0"/>
+                        <a:cs typeface="Arial" panose="020B0604020202020204" pitchFamily="34" charset="0"/>
+                      </a:endParaRPr>
+                    </a:p>
+                  </a:txBody>
+                  <a:tcPr marL="6137" marR="6137" marT="6137" marB="0" anchor="ctr">
+                    <a:lnL w="6350" cap="flat" cmpd="sng" algn="ctr">
+                      <a:solidFill>
+                        <a:srgbClr val="000000"/>
+                      </a:solidFill>
+                      <a:prstDash val="solid"/>
+                      <a:round/>
+                      <a:headEnd type="none" w="med" len="med"/>
+                      <a:tailEnd type="none" w="med" len="med"/>
+                    </a:lnL>
+                    <a:lnR w="6350" cap="flat" cmpd="sng" algn="ctr">
+                      <a:solidFill>
+                        <a:srgbClr val="000000"/>
+                      </a:solidFill>
+                      <a:prstDash val="solid"/>
+                      <a:round/>
+                      <a:headEnd type="none" w="med" len="med"/>
+                      <a:tailEnd type="none" w="med" len="med"/>
+                    </a:lnR>
+                    <a:lnT w="6350" cap="flat" cmpd="sng" algn="ctr">
+                      <a:solidFill>
+                        <a:srgbClr val="000000"/>
+                      </a:solidFill>
+                      <a:prstDash val="solid"/>
+                      <a:round/>
+                      <a:headEnd type="none" w="med" len="med"/>
+                      <a:tailEnd type="none" w="med" len="med"/>
+                    </a:lnT>
+                    <a:lnB w="6350" cap="flat" cmpd="sng" algn="ctr">
+                      <a:solidFill>
+                        <a:srgbClr val="000000"/>
+                      </a:solidFill>
+                      <a:prstDash val="solid"/>
+                      <a:round/>
+                      <a:headEnd type="none" w="med" len="med"/>
+                      <a:tailEnd type="none" w="med" len="med"/>
+                    </a:lnB>
+                    <a:solidFill>
+                      <a:srgbClr val="92D050"/>
+                    </a:solidFill>
+                  </a:tcPr>
+                </a:tc>
+                <a:extLst>
+                  <a:ext uri="{0D108BD9-81ED-4DB2-BD59-A6C34878D82A}">
+                    <a16:rowId xmlns:a16="http://schemas.microsoft.com/office/drawing/2014/main" val="1181998665"/>
                   </a:ext>
                 </a:extLst>
               </a:tr>
@@ -19998,7 +21645,7 @@
         </p:nvGrpSpPr>
         <p:grpSpPr>
           <a:xfrm>
-            <a:off x="2203980" y="2911741"/>
+            <a:off x="2203980" y="3518236"/>
             <a:ext cx="1333972" cy="228597"/>
             <a:chOff x="2971800" y="2729812"/>
             <a:chExt cx="1333972" cy="228597"/>
@@ -20173,7 +21820,7 @@
         </p:nvGrpSpPr>
         <p:grpSpPr>
           <a:xfrm>
-            <a:off x="4043954" y="2906981"/>
+            <a:off x="4043954" y="3513476"/>
             <a:ext cx="1333972" cy="228597"/>
             <a:chOff x="2971800" y="2729812"/>
             <a:chExt cx="1333972" cy="228597"/>
@@ -20348,7 +21995,7 @@
         </p:nvGrpSpPr>
         <p:grpSpPr>
           <a:xfrm>
-            <a:off x="5978299" y="2899078"/>
+            <a:off x="5749980" y="3513476"/>
             <a:ext cx="1333972" cy="228597"/>
             <a:chOff x="2971800" y="2729812"/>
             <a:chExt cx="1333972" cy="228597"/>
@@ -20522,6 +22169,66 @@
 </p:sld>
 </file>
 
+<file path=ppt/slides/slide7.xml><?xml version="1.0" encoding="utf-8"?>
+<p:sld xmlns:a="http://schemas.openxmlformats.org/drawingml/2006/main" xmlns:r="http://schemas.openxmlformats.org/officeDocument/2006/relationships" xmlns:p="http://schemas.openxmlformats.org/presentationml/2006/main">
+  <p:cSld>
+    <p:spTree>
+      <p:nvGrpSpPr>
+        <p:cNvPr id="1" name=""/>
+        <p:cNvGrpSpPr/>
+        <p:nvPr/>
+      </p:nvGrpSpPr>
+      <p:grpSpPr>
+        <a:xfrm>
+          <a:off x="0" y="0"/>
+          <a:ext cx="0" cy="0"/>
+          <a:chOff x="0" y="0"/>
+          <a:chExt cx="0" cy="0"/>
+        </a:xfrm>
+      </p:grpSpPr>
+      <p:pic>
+        <p:nvPicPr>
+          <p:cNvPr id="3" name="Picture 2" descr="A screenshot of a computer&#10;&#10;Description automatically generated">
+            <a:extLst>
+              <a:ext uri="{FF2B5EF4-FFF2-40B4-BE49-F238E27FC236}">
+                <a16:creationId xmlns:a16="http://schemas.microsoft.com/office/drawing/2014/main" id="{1FD6A2C7-6BAC-7FDA-5E0E-A33E8D8142A2}"/>
+              </a:ext>
+            </a:extLst>
+          </p:cNvPr>
+          <p:cNvPicPr>
+            <a:picLocks noChangeAspect="1"/>
+          </p:cNvPicPr>
+          <p:nvPr/>
+        </p:nvPicPr>
+        <p:blipFill>
+          <a:blip r:embed="rId2"/>
+          <a:stretch>
+            <a:fillRect/>
+          </a:stretch>
+        </p:blipFill>
+        <p:spPr>
+          <a:xfrm>
+            <a:off x="1790700" y="1079500"/>
+            <a:ext cx="7772400" cy="4241575"/>
+          </a:xfrm>
+          <a:prstGeom prst="rect">
+            <a:avLst/>
+          </a:prstGeom>
+        </p:spPr>
+      </p:pic>
+    </p:spTree>
+    <p:extLst>
+      <p:ext uri="{BB962C8B-B14F-4D97-AF65-F5344CB8AC3E}">
+        <p14:creationId xmlns:p14="http://schemas.microsoft.com/office/powerpoint/2010/main" val="3361932166"/>
+      </p:ext>
+    </p:extLst>
+  </p:cSld>
+  <p:clrMapOvr>
+    <a:masterClrMapping/>
+  </p:clrMapOvr>
+</p:sld>
+</file>
+
 <file path=ppt/slides/slide8.xml><?xml version="1.0" encoding="utf-8"?>
 <p:sld xmlns:a="http://schemas.openxmlformats.org/drawingml/2006/main" xmlns:r="http://schemas.openxmlformats.org/officeDocument/2006/relationships" xmlns:p="http://schemas.openxmlformats.org/presentationml/2006/main">
   <p:cSld>
@@ -20749,7 +22456,7 @@
           <a:p>
             <a:r>
               <a:rPr lang="en-GB" dirty="0"/>
-              <a:t>Main Benefits / Disadvantages of WDIO</a:t>
+              <a:t>WDIO Main Benefits &amp; Disadvantages</a:t>
             </a:r>
           </a:p>
         </p:txBody>

--- a/WDIO.pptx
+++ b/WDIO.pptx
@@ -5,7 +5,7 @@
     <p:sldMasterId id="2147483648" r:id="rId1"/>
   </p:sldMasterIdLst>
   <p:notesMasterIdLst>
-    <p:notesMasterId r:id="rId17"/>
+    <p:notesMasterId r:id="rId19"/>
   </p:notesMasterIdLst>
   <p:sldIdLst>
     <p:sldId id="256" r:id="rId2"/>
@@ -23,6 +23,8 @@
     <p:sldId id="264" r:id="rId14"/>
     <p:sldId id="2147479999" r:id="rId15"/>
     <p:sldId id="2147479997" r:id="rId16"/>
+    <p:sldId id="2147480001" r:id="rId17"/>
+    <p:sldId id="2147480002" r:id="rId18"/>
   </p:sldIdLst>
   <p:sldSz cx="12192000" cy="6858000"/>
   <p:notesSz cx="6858000" cy="9144000"/>
@@ -211,7 +213,7 @@
           <a:p>
             <a:fld id="{60FAB3C2-BFE3-9940-B603-2819D79DEBA2}" type="datetimeFigureOut">
               <a:rPr lang="en-US" smtClean="0"/>
-              <a:t>7/24/23</a:t>
+              <a:t>7/27/23</a:t>
             </a:fld>
             <a:endParaRPr lang="en-US"/>
           </a:p>
@@ -1170,7 +1172,7 @@
           <a:p>
             <a:fld id="{7F871FFF-B9B9-7542-AF94-6B6F146E5706}" type="datetimeFigureOut">
               <a:rPr lang="en-GB" smtClean="0"/>
-              <a:t>24/07/2023</a:t>
+              <a:t>27/07/2023</a:t>
             </a:fld>
             <a:endParaRPr lang="en-GB"/>
           </a:p>
@@ -1368,7 +1370,7 @@
           <a:p>
             <a:fld id="{7F871FFF-B9B9-7542-AF94-6B6F146E5706}" type="datetimeFigureOut">
               <a:rPr lang="en-GB" smtClean="0"/>
-              <a:t>24/07/2023</a:t>
+              <a:t>27/07/2023</a:t>
             </a:fld>
             <a:endParaRPr lang="en-GB"/>
           </a:p>
@@ -1576,7 +1578,7 @@
           <a:p>
             <a:fld id="{7F871FFF-B9B9-7542-AF94-6B6F146E5706}" type="datetimeFigureOut">
               <a:rPr lang="en-GB" smtClean="0"/>
-              <a:t>24/07/2023</a:t>
+              <a:t>27/07/2023</a:t>
             </a:fld>
             <a:endParaRPr lang="en-GB"/>
           </a:p>
@@ -2972,7 +2974,7 @@
           <a:p>
             <a:fld id="{7F871FFF-B9B9-7542-AF94-6B6F146E5706}" type="datetimeFigureOut">
               <a:rPr lang="en-GB" smtClean="0"/>
-              <a:t>24/07/2023</a:t>
+              <a:t>27/07/2023</a:t>
             </a:fld>
             <a:endParaRPr lang="en-GB"/>
           </a:p>
@@ -3247,7 +3249,7 @@
           <a:p>
             <a:fld id="{7F871FFF-B9B9-7542-AF94-6B6F146E5706}" type="datetimeFigureOut">
               <a:rPr lang="en-GB" smtClean="0"/>
-              <a:t>24/07/2023</a:t>
+              <a:t>27/07/2023</a:t>
             </a:fld>
             <a:endParaRPr lang="en-GB"/>
           </a:p>
@@ -3512,7 +3514,7 @@
           <a:p>
             <a:fld id="{7F871FFF-B9B9-7542-AF94-6B6F146E5706}" type="datetimeFigureOut">
               <a:rPr lang="en-GB" smtClean="0"/>
-              <a:t>24/07/2023</a:t>
+              <a:t>27/07/2023</a:t>
             </a:fld>
             <a:endParaRPr lang="en-GB"/>
           </a:p>
@@ -3924,7 +3926,7 @@
           <a:p>
             <a:fld id="{7F871FFF-B9B9-7542-AF94-6B6F146E5706}" type="datetimeFigureOut">
               <a:rPr lang="en-GB" smtClean="0"/>
-              <a:t>24/07/2023</a:t>
+              <a:t>27/07/2023</a:t>
             </a:fld>
             <a:endParaRPr lang="en-GB"/>
           </a:p>
@@ -4065,7 +4067,7 @@
           <a:p>
             <a:fld id="{7F871FFF-B9B9-7542-AF94-6B6F146E5706}" type="datetimeFigureOut">
               <a:rPr lang="en-GB" smtClean="0"/>
-              <a:t>24/07/2023</a:t>
+              <a:t>27/07/2023</a:t>
             </a:fld>
             <a:endParaRPr lang="en-GB"/>
           </a:p>
@@ -4178,7 +4180,7 @@
           <a:p>
             <a:fld id="{7F871FFF-B9B9-7542-AF94-6B6F146E5706}" type="datetimeFigureOut">
               <a:rPr lang="en-GB" smtClean="0"/>
-              <a:t>24/07/2023</a:t>
+              <a:t>27/07/2023</a:t>
             </a:fld>
             <a:endParaRPr lang="en-GB"/>
           </a:p>
@@ -4489,7 +4491,7 @@
           <a:p>
             <a:fld id="{7F871FFF-B9B9-7542-AF94-6B6F146E5706}" type="datetimeFigureOut">
               <a:rPr lang="en-GB" smtClean="0"/>
-              <a:t>24/07/2023</a:t>
+              <a:t>27/07/2023</a:t>
             </a:fld>
             <a:endParaRPr lang="en-GB"/>
           </a:p>
@@ -4777,7 +4779,7 @@
           <a:p>
             <a:fld id="{7F871FFF-B9B9-7542-AF94-6B6F146E5706}" type="datetimeFigureOut">
               <a:rPr lang="en-GB" smtClean="0"/>
-              <a:t>24/07/2023</a:t>
+              <a:t>27/07/2023</a:t>
             </a:fld>
             <a:endParaRPr lang="en-GB"/>
           </a:p>
@@ -5018,7 +5020,7 @@
           <a:p>
             <a:fld id="{7F871FFF-B9B9-7542-AF94-6B6F146E5706}" type="datetimeFigureOut">
               <a:rPr lang="en-GB" smtClean="0"/>
-              <a:t>24/07/2023</a:t>
+              <a:t>27/07/2023</a:t>
             </a:fld>
             <a:endParaRPr lang="en-GB"/>
           </a:p>
@@ -10182,6 +10184,155 @@
 </p:sld>
 </file>
 
+<file path=ppt/slides/slide16.xml><?xml version="1.0" encoding="utf-8"?>
+<p:sld xmlns:a="http://schemas.openxmlformats.org/drawingml/2006/main" xmlns:r="http://schemas.openxmlformats.org/officeDocument/2006/relationships" xmlns:p="http://schemas.openxmlformats.org/presentationml/2006/main">
+  <p:cSld>
+    <p:spTree>
+      <p:nvGrpSpPr>
+        <p:cNvPr id="1" name=""/>
+        <p:cNvGrpSpPr/>
+        <p:nvPr/>
+      </p:nvGrpSpPr>
+      <p:grpSpPr>
+        <a:xfrm>
+          <a:off x="0" y="0"/>
+          <a:ext cx="0" cy="0"/>
+          <a:chOff x="0" y="0"/>
+          <a:chExt cx="0" cy="0"/>
+        </a:xfrm>
+      </p:grpSpPr>
+      <p:pic>
+        <p:nvPicPr>
+          <p:cNvPr id="6" name="Picture 5" descr="A screenshot of a computer&#10;&#10;Description automatically generated">
+            <a:extLst>
+              <a:ext uri="{FF2B5EF4-FFF2-40B4-BE49-F238E27FC236}">
+                <a16:creationId xmlns:a16="http://schemas.microsoft.com/office/drawing/2014/main" id="{9A2B6FF4-A25D-C7FD-A780-3A812E705849}"/>
+              </a:ext>
+            </a:extLst>
+          </p:cNvPr>
+          <p:cNvPicPr>
+            <a:picLocks noChangeAspect="1"/>
+          </p:cNvPicPr>
+          <p:nvPr/>
+        </p:nvPicPr>
+        <p:blipFill>
+          <a:blip r:embed="rId2"/>
+          <a:stretch>
+            <a:fillRect/>
+          </a:stretch>
+        </p:blipFill>
+        <p:spPr>
+          <a:xfrm>
+            <a:off x="689617" y="73572"/>
+            <a:ext cx="10136037" cy="6258450"/>
+          </a:xfrm>
+          <a:prstGeom prst="rect">
+            <a:avLst/>
+          </a:prstGeom>
+        </p:spPr>
+      </p:pic>
+    </p:spTree>
+    <p:extLst>
+      <p:ext uri="{BB962C8B-B14F-4D97-AF65-F5344CB8AC3E}">
+        <p14:creationId xmlns:p14="http://schemas.microsoft.com/office/powerpoint/2010/main" val="2600199499"/>
+      </p:ext>
+    </p:extLst>
+  </p:cSld>
+  <p:clrMapOvr>
+    <a:masterClrMapping/>
+  </p:clrMapOvr>
+</p:sld>
+</file>
+
+<file path=ppt/slides/slide17.xml><?xml version="1.0" encoding="utf-8"?>
+<p:sld xmlns:a="http://schemas.openxmlformats.org/drawingml/2006/main" xmlns:r="http://schemas.openxmlformats.org/officeDocument/2006/relationships" xmlns:p="http://schemas.openxmlformats.org/presentationml/2006/main">
+  <p:cSld>
+    <p:spTree>
+      <p:nvGrpSpPr>
+        <p:cNvPr id="1" name=""/>
+        <p:cNvGrpSpPr/>
+        <p:nvPr/>
+      </p:nvGrpSpPr>
+      <p:grpSpPr>
+        <a:xfrm>
+          <a:off x="0" y="0"/>
+          <a:ext cx="0" cy="0"/>
+          <a:chOff x="0" y="0"/>
+          <a:chExt cx="0" cy="0"/>
+        </a:xfrm>
+      </p:grpSpPr>
+      <p:pic>
+        <p:nvPicPr>
+          <p:cNvPr id="6" name="Content Placeholder 5" descr="A white sheet with black text&#10;&#10;Description automatically generated">
+            <a:extLst>
+              <a:ext uri="{FF2B5EF4-FFF2-40B4-BE49-F238E27FC236}">
+                <a16:creationId xmlns:a16="http://schemas.microsoft.com/office/drawing/2014/main" id="{0C237231-1E6E-C796-9753-005E8E4EC8BB}"/>
+              </a:ext>
+            </a:extLst>
+          </p:cNvPr>
+          <p:cNvPicPr>
+            <a:picLocks noGrp="1" noChangeAspect="1"/>
+          </p:cNvPicPr>
+          <p:nvPr>
+            <p:ph sz="quarter" idx="12"/>
+          </p:nvPr>
+        </p:nvPicPr>
+        <p:blipFill>
+          <a:blip r:embed="rId2"/>
+          <a:stretch>
+            <a:fillRect/>
+          </a:stretch>
+        </p:blipFill>
+        <p:spPr>
+          <a:xfrm>
+            <a:off x="5196328" y="1260475"/>
+            <a:ext cx="376944" cy="193675"/>
+          </a:xfrm>
+        </p:spPr>
+      </p:pic>
+      <p:pic>
+        <p:nvPicPr>
+          <p:cNvPr id="8" name="Picture 7" descr="A white sheet with black text&#10;&#10;Description automatically generated">
+            <a:extLst>
+              <a:ext uri="{FF2B5EF4-FFF2-40B4-BE49-F238E27FC236}">
+                <a16:creationId xmlns:a16="http://schemas.microsoft.com/office/drawing/2014/main" id="{CD5511E0-6B23-E319-B8E3-AFBCEBDCFB52}"/>
+              </a:ext>
+            </a:extLst>
+          </p:cNvPr>
+          <p:cNvPicPr>
+            <a:picLocks noChangeAspect="1"/>
+          </p:cNvPicPr>
+          <p:nvPr/>
+        </p:nvPicPr>
+        <p:blipFill>
+          <a:blip r:embed="rId2"/>
+          <a:stretch>
+            <a:fillRect/>
+          </a:stretch>
+        </p:blipFill>
+        <p:spPr>
+          <a:xfrm>
+            <a:off x="571567" y="590537"/>
+            <a:ext cx="11048866" cy="5676926"/>
+          </a:xfrm>
+          <a:prstGeom prst="rect">
+            <a:avLst/>
+          </a:prstGeom>
+        </p:spPr>
+      </p:pic>
+    </p:spTree>
+    <p:extLst>
+      <p:ext uri="{BB962C8B-B14F-4D97-AF65-F5344CB8AC3E}">
+        <p14:creationId xmlns:p14="http://schemas.microsoft.com/office/powerpoint/2010/main" val="851332247"/>
+      </p:ext>
+    </p:extLst>
+  </p:cSld>
+  <p:clrMapOvr>
+    <a:masterClrMapping/>
+  </p:clrMapOvr>
+</p:sld>
+</file>
+
 <file path=ppt/slides/slide2.xml><?xml version="1.0" encoding="utf-8"?>
 <p:sld xmlns:a="http://schemas.openxmlformats.org/drawingml/2006/main" xmlns:r="http://schemas.openxmlformats.org/officeDocument/2006/relationships" xmlns:p="http://schemas.openxmlformats.org/presentationml/2006/main">
   <p:cSld>
@@ -15150,14 +15301,14 @@
           <p:nvPr>
             <p:extLst>
               <p:ext uri="{D42A27DB-BD31-4B8C-83A1-F6EECF244321}">
-                <p14:modId xmlns:p14="http://schemas.microsoft.com/office/powerpoint/2010/main" val="2564983367"/>
+                <p14:modId xmlns:p14="http://schemas.microsoft.com/office/powerpoint/2010/main" val="3697674404"/>
               </p:ext>
             </p:extLst>
           </p:nvPr>
         </p:nvGraphicFramePr>
         <p:xfrm>
           <a:off x="474595" y="862705"/>
-          <a:ext cx="8338861" cy="7010167"/>
+          <a:ext cx="8338861" cy="7223527"/>
         </p:xfrm>
         <a:graphic>
           <a:graphicData uri="http://schemas.openxmlformats.org/drawingml/2006/table">
@@ -15460,7 +15611,7 @@
                           <a:latin typeface="Arial" panose="020B0604020202020204" pitchFamily="34" charset="0"/>
                           <a:cs typeface="Arial" panose="020B0604020202020204" pitchFamily="34" charset="0"/>
                         </a:rPr>
-                        <a:t>Selenium, RestAssured, Appium</a:t>
+                        <a:t>Custom, Selenium, RestAssured, Appium</a:t>
                       </a:r>
                     </a:p>
                   </a:txBody>

--- a/WDIO.pptx
+++ b/WDIO.pptx
@@ -213,7 +213,7 @@
           <a:p>
             <a:fld id="{60FAB3C2-BFE3-9940-B603-2819D79DEBA2}" type="datetimeFigureOut">
               <a:rPr lang="en-US" smtClean="0"/>
-              <a:t>7/27/23</a:t>
+              <a:t>6/11/24</a:t>
             </a:fld>
             <a:endParaRPr lang="en-US"/>
           </a:p>
@@ -1172,7 +1172,7 @@
           <a:p>
             <a:fld id="{7F871FFF-B9B9-7542-AF94-6B6F146E5706}" type="datetimeFigureOut">
               <a:rPr lang="en-GB" smtClean="0"/>
-              <a:t>27/07/2023</a:t>
+              <a:t>11/06/2024</a:t>
             </a:fld>
             <a:endParaRPr lang="en-GB"/>
           </a:p>
@@ -1370,7 +1370,7 @@
           <a:p>
             <a:fld id="{7F871FFF-B9B9-7542-AF94-6B6F146E5706}" type="datetimeFigureOut">
               <a:rPr lang="en-GB" smtClean="0"/>
-              <a:t>27/07/2023</a:t>
+              <a:t>11/06/2024</a:t>
             </a:fld>
             <a:endParaRPr lang="en-GB"/>
           </a:p>
@@ -1578,7 +1578,7 @@
           <a:p>
             <a:fld id="{7F871FFF-B9B9-7542-AF94-6B6F146E5706}" type="datetimeFigureOut">
               <a:rPr lang="en-GB" smtClean="0"/>
-              <a:t>27/07/2023</a:t>
+              <a:t>11/06/2024</a:t>
             </a:fld>
             <a:endParaRPr lang="en-GB"/>
           </a:p>
@@ -2974,7 +2974,7 @@
           <a:p>
             <a:fld id="{7F871FFF-B9B9-7542-AF94-6B6F146E5706}" type="datetimeFigureOut">
               <a:rPr lang="en-GB" smtClean="0"/>
-              <a:t>27/07/2023</a:t>
+              <a:t>11/06/2024</a:t>
             </a:fld>
             <a:endParaRPr lang="en-GB"/>
           </a:p>
@@ -3249,7 +3249,7 @@
           <a:p>
             <a:fld id="{7F871FFF-B9B9-7542-AF94-6B6F146E5706}" type="datetimeFigureOut">
               <a:rPr lang="en-GB" smtClean="0"/>
-              <a:t>27/07/2023</a:t>
+              <a:t>11/06/2024</a:t>
             </a:fld>
             <a:endParaRPr lang="en-GB"/>
           </a:p>
@@ -3514,7 +3514,7 @@
           <a:p>
             <a:fld id="{7F871FFF-B9B9-7542-AF94-6B6F146E5706}" type="datetimeFigureOut">
               <a:rPr lang="en-GB" smtClean="0"/>
-              <a:t>27/07/2023</a:t>
+              <a:t>11/06/2024</a:t>
             </a:fld>
             <a:endParaRPr lang="en-GB"/>
           </a:p>
@@ -3926,7 +3926,7 @@
           <a:p>
             <a:fld id="{7F871FFF-B9B9-7542-AF94-6B6F146E5706}" type="datetimeFigureOut">
               <a:rPr lang="en-GB" smtClean="0"/>
-              <a:t>27/07/2023</a:t>
+              <a:t>11/06/2024</a:t>
             </a:fld>
             <a:endParaRPr lang="en-GB"/>
           </a:p>
@@ -4067,7 +4067,7 @@
           <a:p>
             <a:fld id="{7F871FFF-B9B9-7542-AF94-6B6F146E5706}" type="datetimeFigureOut">
               <a:rPr lang="en-GB" smtClean="0"/>
-              <a:t>27/07/2023</a:t>
+              <a:t>11/06/2024</a:t>
             </a:fld>
             <a:endParaRPr lang="en-GB"/>
           </a:p>
@@ -4180,7 +4180,7 @@
           <a:p>
             <a:fld id="{7F871FFF-B9B9-7542-AF94-6B6F146E5706}" type="datetimeFigureOut">
               <a:rPr lang="en-GB" smtClean="0"/>
-              <a:t>27/07/2023</a:t>
+              <a:t>11/06/2024</a:t>
             </a:fld>
             <a:endParaRPr lang="en-GB"/>
           </a:p>
@@ -4491,7 +4491,7 @@
           <a:p>
             <a:fld id="{7F871FFF-B9B9-7542-AF94-6B6F146E5706}" type="datetimeFigureOut">
               <a:rPr lang="en-GB" smtClean="0"/>
-              <a:t>27/07/2023</a:t>
+              <a:t>11/06/2024</a:t>
             </a:fld>
             <a:endParaRPr lang="en-GB"/>
           </a:p>
@@ -4779,7 +4779,7 @@
           <a:p>
             <a:fld id="{7F871FFF-B9B9-7542-AF94-6B6F146E5706}" type="datetimeFigureOut">
               <a:rPr lang="en-GB" smtClean="0"/>
-              <a:t>27/07/2023</a:t>
+              <a:t>11/06/2024</a:t>
             </a:fld>
             <a:endParaRPr lang="en-GB"/>
           </a:p>
@@ -5020,7 +5020,7 @@
           <a:p>
             <a:fld id="{7F871FFF-B9B9-7542-AF94-6B6F146E5706}" type="datetimeFigureOut">
               <a:rPr lang="en-GB" smtClean="0"/>
-              <a:t>27/07/2023</a:t>
+              <a:t>11/06/2024</a:t>
             </a:fld>
             <a:endParaRPr lang="en-GB"/>
           </a:p>
@@ -9662,95 +9662,6 @@
               </a:rPr>
               <a:t>Capability to automate GraphQL</a:t>
             </a:r>
-          </a:p>
-        </p:txBody>
-      </p:sp>
-      <p:sp>
-        <p:nvSpPr>
-          <p:cNvPr id="912" name="Ribbon: Curved and Tilted Up 911">
-            <a:extLst>
-              <a:ext uri="{FF2B5EF4-FFF2-40B4-BE49-F238E27FC236}">
-                <a16:creationId xmlns:a16="http://schemas.microsoft.com/office/drawing/2014/main" id="{037FBFD6-B9BD-7FD5-2FE2-21D437A0553C}"/>
-              </a:ext>
-            </a:extLst>
-          </p:cNvPr>
-          <p:cNvSpPr/>
-          <p:nvPr/>
-        </p:nvSpPr>
-        <p:spPr>
-          <a:xfrm>
-            <a:off x="6965788" y="4377092"/>
-            <a:ext cx="1700325" cy="642623"/>
-          </a:xfrm>
-          <a:prstGeom prst="ellipseRibbon2">
-            <a:avLst/>
-          </a:prstGeom>
-          <a:ln/>
-        </p:spPr>
-        <p:style>
-          <a:lnRef idx="0">
-            <a:schemeClr val="accent3"/>
-          </a:lnRef>
-          <a:fillRef idx="3">
-            <a:schemeClr val="accent3"/>
-          </a:fillRef>
-          <a:effectRef idx="3">
-            <a:schemeClr val="accent3"/>
-          </a:effectRef>
-          <a:fontRef idx="minor">
-            <a:schemeClr val="lt1"/>
-          </a:fontRef>
-        </p:style>
-        <p:txBody>
-          <a:bodyPr rot="0" spcFirstLastPara="0" vertOverflow="overflow" horzOverflow="overflow" vert="horz" wrap="square" lIns="36000" tIns="36000" rIns="36000" bIns="36000" numCol="1" spcCol="0" rtlCol="0" fromWordArt="0" anchor="t" anchorCtr="0" forceAA="0" compatLnSpc="1">
-            <a:prstTxWarp prst="textNoShape">
-              <a:avLst/>
-            </a:prstTxWarp>
-            <a:noAutofit/>
-          </a:bodyPr>
-          <a:lstStyle/>
-          <a:p>
-            <a:pPr algn="ctr">
-              <a:spcBef>
-                <a:spcPts val="1200"/>
-              </a:spcBef>
-            </a:pPr>
-            <a:r>
-              <a:rPr lang="en-US" sz="900" b="1">
-                <a:solidFill>
-                  <a:schemeClr val="bg1"/>
-                </a:solidFill>
-                <a:latin typeface="Arial"/>
-                <a:cs typeface="Arial"/>
-              </a:rPr>
-              <a:t>£25k</a:t>
-            </a:r>
-            <a:br>
-              <a:rPr lang="en-US" sz="900" b="1">
-                <a:solidFill>
-                  <a:schemeClr val="bg1"/>
-                </a:solidFill>
-                <a:latin typeface="Arial"/>
-                <a:cs typeface="Arial"/>
-              </a:rPr>
-            </a:br>
-            <a:r>
-              <a:rPr lang="en-US" sz="900" b="1">
-                <a:solidFill>
-                  <a:schemeClr val="bg1"/>
-                </a:solidFill>
-                <a:latin typeface="Arial"/>
-                <a:cs typeface="Arial"/>
-              </a:rPr>
-              <a:t>NTT DATA Investment</a:t>
-            </a:r>
-            <a:endParaRPr lang="en-US" sz="900">
-              <a:solidFill>
-                <a:schemeClr val="bg1"/>
-              </a:solidFill>
-              <a:latin typeface="Arial" panose="020B0604020202020204" pitchFamily="34" charset="0"/>
-              <a:cs typeface="Arial" panose="020B0604020202020204" pitchFamily="34" charset="0"/>
-            </a:endParaRPr>
           </a:p>
         </p:txBody>
       </p:sp>
